--- a/src/main/java/com/ac/day20190227/date/SimpleDateFormat继承关系描述.pptx
+++ b/src/main/java/com/ac/day20190227/date/SimpleDateFormat继承关系描述.pptx
@@ -5,8 +5,7 @@
     <p:sldMasterId id="2147483648" r:id="rId1"/>
   </p:sldMasterIdLst>
   <p:sldIdLst>
-    <p:sldId id="257" r:id="rId2"/>
-    <p:sldId id="258" r:id="rId3"/>
+    <p:sldId id="259" r:id="rId2"/>
   </p:sldIdLst>
   <p:sldSz cx="12192000" cy="6858000"/>
   <p:notesSz cx="6858000" cy="9144000"/>
@@ -3344,7 +3343,7 @@
           <p:cNvPr id="4" name="矩形 3">
             <a:extLst>
               <a:ext uri="{FF2B5EF4-FFF2-40B4-BE49-F238E27FC236}">
-                <a16:creationId xmlns:a16="http://schemas.microsoft.com/office/drawing/2014/main" id="{401832EC-AA3F-4319-8CD0-293C84DDF9C7}"/>
+                <a16:creationId xmlns:a16="http://schemas.microsoft.com/office/drawing/2014/main" id="{59A4FFCA-8A35-4367-A5F4-AE619629533B}"/>
               </a:ext>
             </a:extLst>
           </p:cNvPr>
@@ -3353,8 +3352,8 @@
         </p:nvSpPr>
         <p:spPr>
           <a:xfrm>
-            <a:off x="3513220" y="1941095"/>
-            <a:ext cx="906379" cy="1941094"/>
+            <a:off x="5991738" y="5001629"/>
+            <a:ext cx="2125579" cy="721895"/>
           </a:xfrm>
           <a:prstGeom prst="rect">
             <a:avLst/>
@@ -3362,13 +3361,13 @@
         </p:spPr>
         <p:style>
           <a:lnRef idx="1">
-            <a:schemeClr val="accent1"/>
+            <a:schemeClr val="accent2"/>
           </a:lnRef>
           <a:fillRef idx="2">
-            <a:schemeClr val="accent1"/>
+            <a:schemeClr val="accent2"/>
           </a:fillRef>
           <a:effectRef idx="1">
-            <a:schemeClr val="accent1"/>
+            <a:schemeClr val="accent2"/>
           </a:effectRef>
           <a:fontRef idx="minor">
             <a:schemeClr val="dk1"/>
@@ -3379,6 +3378,10 @@
           <a:lstStyle/>
           <a:p>
             <a:pPr algn="ctr"/>
+            <a:r>
+              <a:rPr lang="en-US" altLang="zh-CN" sz="1400" dirty="0" err="1"/>
+              <a:t>SimpleDateFormat</a:t>
+            </a:r>
             <a:endParaRPr lang="zh-CN" altLang="en-US" sz="1400" dirty="0"/>
           </a:p>
         </p:txBody>
@@ -3388,7 +3391,7 @@
           <p:cNvPr id="5" name="矩形 4">
             <a:extLst>
               <a:ext uri="{FF2B5EF4-FFF2-40B4-BE49-F238E27FC236}">
-                <a16:creationId xmlns:a16="http://schemas.microsoft.com/office/drawing/2014/main" id="{79A7382E-51E9-42D7-A27E-D0E489226110}"/>
+                <a16:creationId xmlns:a16="http://schemas.microsoft.com/office/drawing/2014/main" id="{7621ECE4-69B7-40CB-9249-07D62C9A3F77}"/>
               </a:ext>
             </a:extLst>
           </p:cNvPr>
@@ -3397,8 +3400,96 @@
         </p:nvSpPr>
         <p:spPr>
           <a:xfrm>
-            <a:off x="4419599" y="1941095"/>
-            <a:ext cx="2462463" cy="1941094"/>
+            <a:off x="5991737" y="5723525"/>
+            <a:ext cx="2125579" cy="417094"/>
+          </a:xfrm>
+          <a:prstGeom prst="rect">
+            <a:avLst/>
+          </a:prstGeom>
+        </p:spPr>
+        <p:style>
+          <a:lnRef idx="2">
+            <a:schemeClr val="accent5"/>
+          </a:lnRef>
+          <a:fillRef idx="1">
+            <a:schemeClr val="lt1"/>
+          </a:fillRef>
+          <a:effectRef idx="0">
+            <a:schemeClr val="accent5"/>
+          </a:effectRef>
+          <a:fontRef idx="minor">
+            <a:schemeClr val="dk1"/>
+          </a:fontRef>
+        </p:style>
+        <p:txBody>
+          <a:bodyPr rtlCol="0" anchor="ctr"/>
+          <a:lstStyle/>
+          <a:p>
+            <a:pPr algn="ctr"/>
+            <a:endParaRPr lang="zh-CN" altLang="en-US"/>
+          </a:p>
+        </p:txBody>
+      </p:sp>
+      <p:sp>
+        <p:nvSpPr>
+          <p:cNvPr id="6" name="矩形 5">
+            <a:extLst>
+              <a:ext uri="{FF2B5EF4-FFF2-40B4-BE49-F238E27FC236}">
+                <a16:creationId xmlns:a16="http://schemas.microsoft.com/office/drawing/2014/main" id="{02CF7220-F8F6-42DC-A6F4-6EE47D5C7E01}"/>
+              </a:ext>
+            </a:extLst>
+          </p:cNvPr>
+          <p:cNvSpPr/>
+          <p:nvPr/>
+        </p:nvSpPr>
+        <p:spPr>
+          <a:xfrm>
+            <a:off x="5991736" y="6140619"/>
+            <a:ext cx="2125579" cy="417094"/>
+          </a:xfrm>
+          <a:prstGeom prst="rect">
+            <a:avLst/>
+          </a:prstGeom>
+        </p:spPr>
+        <p:style>
+          <a:lnRef idx="2">
+            <a:schemeClr val="accent5"/>
+          </a:lnRef>
+          <a:fillRef idx="1">
+            <a:schemeClr val="lt1"/>
+          </a:fillRef>
+          <a:effectRef idx="0">
+            <a:schemeClr val="accent5"/>
+          </a:effectRef>
+          <a:fontRef idx="minor">
+            <a:schemeClr val="dk1"/>
+          </a:fontRef>
+        </p:style>
+        <p:txBody>
+          <a:bodyPr rtlCol="0" anchor="ctr"/>
+          <a:lstStyle/>
+          <a:p>
+            <a:pPr algn="ctr"/>
+            <a:endParaRPr lang="zh-CN" altLang="en-US" dirty="0"/>
+          </a:p>
+        </p:txBody>
+      </p:sp>
+      <p:sp>
+        <p:nvSpPr>
+          <p:cNvPr id="7" name="矩形 6">
+            <a:extLst>
+              <a:ext uri="{FF2B5EF4-FFF2-40B4-BE49-F238E27FC236}">
+                <a16:creationId xmlns:a16="http://schemas.microsoft.com/office/drawing/2014/main" id="{9A8D6064-8C1D-46F5-81F4-0B9119ADBBB7}"/>
+              </a:ext>
+            </a:extLst>
+          </p:cNvPr>
+          <p:cNvSpPr/>
+          <p:nvPr/>
+        </p:nvSpPr>
+        <p:spPr>
+          <a:xfrm>
+            <a:off x="3232495" y="2683549"/>
+            <a:ext cx="2125579" cy="721895"/>
           </a:xfrm>
           <a:prstGeom prst="rect">
             <a:avLst/>
@@ -3406,13 +3497,13 @@
         </p:spPr>
         <p:style>
           <a:lnRef idx="1">
-            <a:schemeClr val="accent6"/>
+            <a:schemeClr val="accent2"/>
           </a:lnRef>
           <a:fillRef idx="2">
-            <a:schemeClr val="accent6"/>
+            <a:schemeClr val="accent2"/>
           </a:fillRef>
           <a:effectRef idx="1">
-            <a:schemeClr val="accent6"/>
+            <a:schemeClr val="accent2"/>
           </a:effectRef>
           <a:fontRef idx="minor">
             <a:schemeClr val="dk1"/>
@@ -3424,23 +3515,8 @@
           <a:p>
             <a:pPr algn="ctr"/>
             <a:r>
-              <a:rPr lang="en-US" altLang="zh-CN" sz="1400" dirty="0"/>
-              <a:t>Old Space</a:t>
-            </a:r>
-          </a:p>
-          <a:p>
-            <a:pPr algn="ctr"/>
-            <a:r>
-              <a:rPr lang="en-US" altLang="zh-CN" sz="1400" dirty="0"/>
-              <a:t>(</a:t>
-            </a:r>
-            <a:r>
-              <a:rPr lang="zh-CN" altLang="en-US" sz="1400" dirty="0"/>
-              <a:t>旧生代</a:t>
-            </a:r>
-            <a:r>
-              <a:rPr lang="en-US" altLang="zh-CN" sz="1400" dirty="0"/>
-              <a:t>)</a:t>
+              <a:rPr lang="en-US" altLang="zh-CN" sz="1400" dirty="0" err="1"/>
+              <a:t>DateFormat</a:t>
             </a:r>
             <a:endParaRPr lang="zh-CN" altLang="en-US" sz="1400" dirty="0"/>
           </a:p>
@@ -3448,10 +3524,10 @@
       </p:sp>
       <p:sp>
         <p:nvSpPr>
-          <p:cNvPr id="6" name="矩形 5">
-            <a:extLst>
-              <a:ext uri="{FF2B5EF4-FFF2-40B4-BE49-F238E27FC236}">
-                <a16:creationId xmlns:a16="http://schemas.microsoft.com/office/drawing/2014/main" id="{230D1893-5116-4DCC-AF3F-0539E3624A5D}"/>
+          <p:cNvPr id="8" name="矩形 7">
+            <a:extLst>
+              <a:ext uri="{FF2B5EF4-FFF2-40B4-BE49-F238E27FC236}">
+                <a16:creationId xmlns:a16="http://schemas.microsoft.com/office/drawing/2014/main" id="{2FD475A4-A342-40B7-AC05-5102E9742FDC}"/>
               </a:ext>
             </a:extLst>
           </p:cNvPr>
@@ -3460,8 +3536,96 @@
         </p:nvSpPr>
         <p:spPr>
           <a:xfrm>
-            <a:off x="6882062" y="1941095"/>
-            <a:ext cx="1187117" cy="1941094"/>
+            <a:off x="3232494" y="3405445"/>
+            <a:ext cx="2125579" cy="417094"/>
+          </a:xfrm>
+          <a:prstGeom prst="rect">
+            <a:avLst/>
+          </a:prstGeom>
+        </p:spPr>
+        <p:style>
+          <a:lnRef idx="2">
+            <a:schemeClr val="accent5"/>
+          </a:lnRef>
+          <a:fillRef idx="1">
+            <a:schemeClr val="lt1"/>
+          </a:fillRef>
+          <a:effectRef idx="0">
+            <a:schemeClr val="accent5"/>
+          </a:effectRef>
+          <a:fontRef idx="minor">
+            <a:schemeClr val="dk1"/>
+          </a:fontRef>
+        </p:style>
+        <p:txBody>
+          <a:bodyPr rtlCol="0" anchor="ctr"/>
+          <a:lstStyle/>
+          <a:p>
+            <a:pPr algn="ctr"/>
+            <a:endParaRPr lang="zh-CN" altLang="en-US"/>
+          </a:p>
+        </p:txBody>
+      </p:sp>
+      <p:sp>
+        <p:nvSpPr>
+          <p:cNvPr id="9" name="矩形 8">
+            <a:extLst>
+              <a:ext uri="{FF2B5EF4-FFF2-40B4-BE49-F238E27FC236}">
+                <a16:creationId xmlns:a16="http://schemas.microsoft.com/office/drawing/2014/main" id="{D75C455E-C2E0-45AA-84D4-27557D7EEC3F}"/>
+              </a:ext>
+            </a:extLst>
+          </p:cNvPr>
+          <p:cNvSpPr/>
+          <p:nvPr/>
+        </p:nvSpPr>
+        <p:spPr>
+          <a:xfrm>
+            <a:off x="3232493" y="3822539"/>
+            <a:ext cx="2125579" cy="417094"/>
+          </a:xfrm>
+          <a:prstGeom prst="rect">
+            <a:avLst/>
+          </a:prstGeom>
+        </p:spPr>
+        <p:style>
+          <a:lnRef idx="2">
+            <a:schemeClr val="accent5"/>
+          </a:lnRef>
+          <a:fillRef idx="1">
+            <a:schemeClr val="lt1"/>
+          </a:fillRef>
+          <a:effectRef idx="0">
+            <a:schemeClr val="accent5"/>
+          </a:effectRef>
+          <a:fontRef idx="minor">
+            <a:schemeClr val="dk1"/>
+          </a:fontRef>
+        </p:style>
+        <p:txBody>
+          <a:bodyPr rtlCol="0" anchor="ctr"/>
+          <a:lstStyle/>
+          <a:p>
+            <a:pPr algn="ctr"/>
+            <a:endParaRPr lang="zh-CN" altLang="en-US" dirty="0"/>
+          </a:p>
+        </p:txBody>
+      </p:sp>
+      <p:sp>
+        <p:nvSpPr>
+          <p:cNvPr id="10" name="矩形 9">
+            <a:extLst>
+              <a:ext uri="{FF2B5EF4-FFF2-40B4-BE49-F238E27FC236}">
+                <a16:creationId xmlns:a16="http://schemas.microsoft.com/office/drawing/2014/main" id="{5B2FE61D-3EAA-4667-9B7E-AFA24A73F486}"/>
+              </a:ext>
+            </a:extLst>
+          </p:cNvPr>
+          <p:cNvSpPr/>
+          <p:nvPr/>
+        </p:nvSpPr>
+        <p:spPr>
+          <a:xfrm>
+            <a:off x="425133" y="381510"/>
+            <a:ext cx="2125579" cy="721895"/>
           </a:xfrm>
           <a:prstGeom prst="rect">
             <a:avLst/>
@@ -3469,12 +3633,60 @@
         </p:spPr>
         <p:style>
           <a:lnRef idx="1">
+            <a:schemeClr val="accent2"/>
+          </a:lnRef>
+          <a:fillRef idx="2">
+            <a:schemeClr val="accent2"/>
+          </a:fillRef>
+          <a:effectRef idx="1">
+            <a:schemeClr val="accent2"/>
+          </a:effectRef>
+          <a:fontRef idx="minor">
+            <a:schemeClr val="dk1"/>
+          </a:fontRef>
+        </p:style>
+        <p:txBody>
+          <a:bodyPr rtlCol="0" anchor="ctr"/>
+          <a:lstStyle/>
+          <a:p>
+            <a:pPr algn="ctr"/>
+            <a:r>
+              <a:rPr lang="en-US" altLang="zh-CN" sz="1400" dirty="0"/>
+              <a:t>Format</a:t>
+            </a:r>
+            <a:endParaRPr lang="zh-CN" altLang="en-US" sz="1400" dirty="0"/>
+          </a:p>
+        </p:txBody>
+      </p:sp>
+      <p:sp>
+        <p:nvSpPr>
+          <p:cNvPr id="11" name="矩形 10">
+            <a:extLst>
+              <a:ext uri="{FF2B5EF4-FFF2-40B4-BE49-F238E27FC236}">
+                <a16:creationId xmlns:a16="http://schemas.microsoft.com/office/drawing/2014/main" id="{51E9C5D4-573A-4FC1-8B45-A4479E27EC86}"/>
+              </a:ext>
+            </a:extLst>
+          </p:cNvPr>
+          <p:cNvSpPr/>
+          <p:nvPr/>
+        </p:nvSpPr>
+        <p:spPr>
+          <a:xfrm>
+            <a:off x="425132" y="1103406"/>
+            <a:ext cx="2125579" cy="417094"/>
+          </a:xfrm>
+          <a:prstGeom prst="rect">
+            <a:avLst/>
+          </a:prstGeom>
+        </p:spPr>
+        <p:style>
+          <a:lnRef idx="2">
             <a:schemeClr val="accent5"/>
           </a:lnRef>
-          <a:fillRef idx="2">
-            <a:schemeClr val="accent5"/>
+          <a:fillRef idx="1">
+            <a:schemeClr val="lt1"/>
           </a:fillRef>
-          <a:effectRef idx="1">
+          <a:effectRef idx="0">
             <a:schemeClr val="accent5"/>
           </a:effectRef>
           <a:fontRef idx="minor">
@@ -3486,35 +3698,16 @@
           <a:lstStyle/>
           <a:p>
             <a:pPr algn="ctr"/>
-            <a:r>
-              <a:rPr lang="en-US" altLang="zh-CN" sz="1400" dirty="0"/>
-              <a:t>Eden</a:t>
-            </a:r>
-          </a:p>
-          <a:p>
-            <a:pPr algn="ctr"/>
-            <a:r>
-              <a:rPr lang="en-US" altLang="zh-CN" sz="1400" dirty="0"/>
-              <a:t>(</a:t>
-            </a:r>
-            <a:r>
-              <a:rPr lang="zh-CN" altLang="en-US" sz="1400" dirty="0"/>
-              <a:t>伊甸园</a:t>
-            </a:r>
-            <a:r>
-              <a:rPr lang="en-US" altLang="zh-CN" sz="1400" dirty="0"/>
-              <a:t>)</a:t>
-            </a:r>
-            <a:endParaRPr lang="zh-CN" altLang="en-US" sz="1400" dirty="0"/>
-          </a:p>
-        </p:txBody>
-      </p:sp>
-      <p:sp>
-        <p:nvSpPr>
-          <p:cNvPr id="7" name="矩形 6">
-            <a:extLst>
-              <a:ext uri="{FF2B5EF4-FFF2-40B4-BE49-F238E27FC236}">
-                <a16:creationId xmlns:a16="http://schemas.microsoft.com/office/drawing/2014/main" id="{709991C2-9D17-48F0-BBFE-603D502ECEDE}"/>
+            <a:endParaRPr lang="zh-CN" altLang="en-US"/>
+          </a:p>
+        </p:txBody>
+      </p:sp>
+      <p:sp>
+        <p:nvSpPr>
+          <p:cNvPr id="12" name="矩形 11">
+            <a:extLst>
+              <a:ext uri="{FF2B5EF4-FFF2-40B4-BE49-F238E27FC236}">
+                <a16:creationId xmlns:a16="http://schemas.microsoft.com/office/drawing/2014/main" id="{0D7AF8B2-F1FC-44BC-9B38-6F472699D9AD}"/>
               </a:ext>
             </a:extLst>
           </p:cNvPr>
@@ -3523,22 +3716,22 @@
         </p:nvSpPr>
         <p:spPr>
           <a:xfrm>
-            <a:off x="8077200" y="1941095"/>
-            <a:ext cx="906379" cy="1941094"/>
+            <a:off x="425131" y="1520500"/>
+            <a:ext cx="2125579" cy="417094"/>
           </a:xfrm>
           <a:prstGeom prst="rect">
             <a:avLst/>
           </a:prstGeom>
         </p:spPr>
         <p:style>
-          <a:lnRef idx="1">
-            <a:schemeClr val="accent1"/>
+          <a:lnRef idx="2">
+            <a:schemeClr val="accent5"/>
           </a:lnRef>
-          <a:fillRef idx="2">
-            <a:schemeClr val="accent1"/>
+          <a:fillRef idx="1">
+            <a:schemeClr val="lt1"/>
           </a:fillRef>
-          <a:effectRef idx="1">
-            <a:schemeClr val="accent1"/>
+          <a:effectRef idx="0">
+            <a:schemeClr val="accent5"/>
           </a:effectRef>
           <a:fontRef idx="minor">
             <a:schemeClr val="dk1"/>
@@ -3549,16 +3742,16 @@
           <a:lstStyle/>
           <a:p>
             <a:pPr algn="ctr"/>
-            <a:endParaRPr lang="zh-CN" altLang="en-US"/>
-          </a:p>
-        </p:txBody>
-      </p:sp>
-      <p:sp>
-        <p:nvSpPr>
-          <p:cNvPr id="8" name="矩形 7">
-            <a:extLst>
-              <a:ext uri="{FF2B5EF4-FFF2-40B4-BE49-F238E27FC236}">
-                <a16:creationId xmlns:a16="http://schemas.microsoft.com/office/drawing/2014/main" id="{83F5857E-59DD-41C9-9D34-F3F22605CF76}"/>
+            <a:endParaRPr lang="zh-CN" altLang="en-US" dirty="0"/>
+          </a:p>
+        </p:txBody>
+      </p:sp>
+      <p:sp>
+        <p:nvSpPr>
+          <p:cNvPr id="13" name="等腰三角形 12">
+            <a:extLst>
+              <a:ext uri="{FF2B5EF4-FFF2-40B4-BE49-F238E27FC236}">
+                <a16:creationId xmlns:a16="http://schemas.microsoft.com/office/drawing/2014/main" id="{93D3305B-9C0A-4564-8E3B-7530799E2763}"/>
               </a:ext>
             </a:extLst>
           </p:cNvPr>
@@ -3567,25 +3760,27 @@
         </p:nvSpPr>
         <p:spPr>
           <a:xfrm>
-            <a:off x="8991600" y="1941095"/>
-            <a:ext cx="906379" cy="1941094"/>
+            <a:off x="1371609" y="1959724"/>
+            <a:ext cx="232614" cy="187986"/>
           </a:xfrm>
-          <a:prstGeom prst="rect">
+          <a:prstGeom prst="triangle">
             <a:avLst/>
           </a:prstGeom>
         </p:spPr>
         <p:style>
-          <a:lnRef idx="1">
-            <a:schemeClr val="accent1"/>
+          <a:lnRef idx="2">
+            <a:schemeClr val="accent1">
+              <a:shade val="50000"/>
+            </a:schemeClr>
           </a:lnRef>
-          <a:fillRef idx="2">
+          <a:fillRef idx="1">
             <a:schemeClr val="accent1"/>
           </a:fillRef>
-          <a:effectRef idx="1">
+          <a:effectRef idx="0">
             <a:schemeClr val="accent1"/>
           </a:effectRef>
           <a:fontRef idx="minor">
-            <a:schemeClr val="dk1"/>
+            <a:schemeClr val="lt1"/>
           </a:fontRef>
         </p:style>
         <p:txBody>
@@ -3597,266 +3792,33 @@
           </a:p>
         </p:txBody>
       </p:sp>
-      <p:sp>
-        <p:nvSpPr>
-          <p:cNvPr id="9" name="文本框 8">
-            <a:extLst>
-              <a:ext uri="{FF2B5EF4-FFF2-40B4-BE49-F238E27FC236}">
-                <a16:creationId xmlns:a16="http://schemas.microsoft.com/office/drawing/2014/main" id="{22DB070D-84E3-4D86-AE87-7C3CFA377213}"/>
-              </a:ext>
-            </a:extLst>
-          </p:cNvPr>
-          <p:cNvSpPr txBox="1"/>
+      <p:cxnSp>
+        <p:nvCxnSpPr>
+          <p:cNvPr id="15" name="连接符: 肘形 14">
+            <a:extLst>
+              <a:ext uri="{FF2B5EF4-FFF2-40B4-BE49-F238E27FC236}">
+                <a16:creationId xmlns:a16="http://schemas.microsoft.com/office/drawing/2014/main" id="{6EC92514-8A99-414D-B753-A6F8B28C8BCF}"/>
+              </a:ext>
+            </a:extLst>
+          </p:cNvPr>
+          <p:cNvCxnSpPr>
+            <a:cxnSpLocks/>
+            <a:stCxn id="13" idx="3"/>
+            <a:endCxn id="7" idx="0"/>
+          </p:cNvCxnSpPr>
           <p:nvPr/>
-        </p:nvSpPr>
+        </p:nvCxnSpPr>
         <p:spPr>
-          <a:xfrm rot="10800000">
-            <a:off x="3566300" y="2170612"/>
-            <a:ext cx="400110" cy="1482060"/>
+          <a:xfrm rot="16200000" flipH="1">
+            <a:off x="2623681" y="1011944"/>
+            <a:ext cx="535839" cy="2807369"/>
           </a:xfrm>
-          <a:prstGeom prst="rect">
-            <a:avLst/>
+          <a:prstGeom prst="bentConnector3">
+            <a:avLst>
+              <a:gd name="adj1" fmla="val 50000"/>
+            </a:avLst>
           </a:prstGeom>
-          <a:noFill/>
-        </p:spPr>
-        <p:txBody>
-          <a:bodyPr vert="eaVert" wrap="square" rtlCol="0">
-            <a:spAutoFit/>
-          </a:bodyPr>
-          <a:lstStyle/>
-          <a:p>
-            <a:r>
-              <a:rPr lang="en-US" altLang="zh-CN" sz="1400" dirty="0"/>
-              <a:t>Permanent Space   </a:t>
-            </a:r>
-            <a:endParaRPr lang="zh-CN" altLang="en-US" sz="1400" dirty="0"/>
-          </a:p>
-        </p:txBody>
-      </p:sp>
-      <p:sp>
-        <p:nvSpPr>
-          <p:cNvPr id="10" name="文本框 9">
-            <a:extLst>
-              <a:ext uri="{FF2B5EF4-FFF2-40B4-BE49-F238E27FC236}">
-                <a16:creationId xmlns:a16="http://schemas.microsoft.com/office/drawing/2014/main" id="{2B577DA0-6055-4F5B-80AA-27E4E3F6A8E2}"/>
-              </a:ext>
-            </a:extLst>
-          </p:cNvPr>
-          <p:cNvSpPr txBox="1"/>
-          <p:nvPr/>
-        </p:nvSpPr>
-        <p:spPr>
-          <a:xfrm>
-            <a:off x="3851990" y="2462921"/>
-            <a:ext cx="400110" cy="1022684"/>
-          </a:xfrm>
-          <a:prstGeom prst="rect">
-            <a:avLst/>
-          </a:prstGeom>
-          <a:noFill/>
-        </p:spPr>
-        <p:txBody>
-          <a:bodyPr vert="eaVert" wrap="square" rtlCol="0">
-            <a:spAutoFit/>
-          </a:bodyPr>
-          <a:lstStyle/>
-          <a:p>
-            <a:r>
-              <a:rPr lang="en-US" altLang="zh-CN" sz="1400" dirty="0"/>
-              <a:t>(</a:t>
-            </a:r>
-            <a:r>
-              <a:rPr lang="zh-CN" altLang="en-US" sz="1400" dirty="0"/>
-              <a:t>永久空间</a:t>
-            </a:r>
-            <a:r>
-              <a:rPr lang="en-US" altLang="zh-CN" sz="1400" dirty="0"/>
-              <a:t>)</a:t>
-            </a:r>
-            <a:endParaRPr lang="zh-CN" altLang="en-US" sz="1400" dirty="0"/>
-          </a:p>
-        </p:txBody>
-      </p:sp>
-      <p:sp>
-        <p:nvSpPr>
-          <p:cNvPr id="11" name="文本框 10">
-            <a:extLst>
-              <a:ext uri="{FF2B5EF4-FFF2-40B4-BE49-F238E27FC236}">
-                <a16:creationId xmlns:a16="http://schemas.microsoft.com/office/drawing/2014/main" id="{9DB1510E-4ACB-461C-81B1-D4630E6894DB}"/>
-              </a:ext>
-            </a:extLst>
-          </p:cNvPr>
-          <p:cNvSpPr txBox="1"/>
-          <p:nvPr/>
-        </p:nvSpPr>
-        <p:spPr>
-          <a:xfrm rot="10800000">
-            <a:off x="8256962" y="2316766"/>
-            <a:ext cx="400110" cy="1189752"/>
-          </a:xfrm>
-          <a:prstGeom prst="rect">
-            <a:avLst/>
-          </a:prstGeom>
-          <a:noFill/>
-        </p:spPr>
-        <p:txBody>
-          <a:bodyPr vert="eaVert" wrap="square" rtlCol="0">
-            <a:spAutoFit/>
-          </a:bodyPr>
-          <a:lstStyle/>
-          <a:p>
-            <a:r>
-              <a:rPr lang="en-US" altLang="zh-CN" sz="1400" dirty="0"/>
-              <a:t>Front Space</a:t>
-            </a:r>
-            <a:endParaRPr lang="zh-CN" altLang="en-US" sz="1400" dirty="0"/>
-          </a:p>
-        </p:txBody>
-      </p:sp>
-      <p:sp>
-        <p:nvSpPr>
-          <p:cNvPr id="12" name="文本框 11">
-            <a:extLst>
-              <a:ext uri="{FF2B5EF4-FFF2-40B4-BE49-F238E27FC236}">
-                <a16:creationId xmlns:a16="http://schemas.microsoft.com/office/drawing/2014/main" id="{F0F7B00D-0475-440D-A833-8F2E69810A3D}"/>
-              </a:ext>
-            </a:extLst>
-          </p:cNvPr>
-          <p:cNvSpPr txBox="1"/>
-          <p:nvPr/>
-        </p:nvSpPr>
-        <p:spPr>
-          <a:xfrm>
-            <a:off x="8530389" y="2558945"/>
-            <a:ext cx="400110" cy="705394"/>
-          </a:xfrm>
-          <a:prstGeom prst="rect">
-            <a:avLst/>
-          </a:prstGeom>
-          <a:noFill/>
-        </p:spPr>
-        <p:txBody>
-          <a:bodyPr vert="eaVert" wrap="square" rtlCol="0">
-            <a:spAutoFit/>
-          </a:bodyPr>
-          <a:lstStyle/>
-          <a:p>
-            <a:r>
-              <a:rPr lang="en-US" altLang="zh-CN" sz="1400" dirty="0"/>
-              <a:t>(</a:t>
-            </a:r>
-            <a:r>
-              <a:rPr lang="zh-CN" altLang="en-US" sz="1400" dirty="0"/>
-              <a:t>源空间</a:t>
-            </a:r>
-            <a:r>
-              <a:rPr lang="en-US" altLang="zh-CN" sz="1400" dirty="0"/>
-              <a:t>)</a:t>
-            </a:r>
-            <a:endParaRPr lang="zh-CN" altLang="en-US" sz="1400" dirty="0"/>
-          </a:p>
-        </p:txBody>
-      </p:sp>
-      <p:sp>
-        <p:nvSpPr>
-          <p:cNvPr id="13" name="文本框 12">
-            <a:extLst>
-              <a:ext uri="{FF2B5EF4-FFF2-40B4-BE49-F238E27FC236}">
-                <a16:creationId xmlns:a16="http://schemas.microsoft.com/office/drawing/2014/main" id="{09D8216F-CD7F-40E2-A1E4-E0ED281A484D}"/>
-              </a:ext>
-            </a:extLst>
-          </p:cNvPr>
-          <p:cNvSpPr txBox="1"/>
-          <p:nvPr/>
-        </p:nvSpPr>
-        <p:spPr>
-          <a:xfrm rot="10800000">
-            <a:off x="9144470" y="2316766"/>
-            <a:ext cx="400110" cy="1022684"/>
-          </a:xfrm>
-          <a:prstGeom prst="rect">
-            <a:avLst/>
-          </a:prstGeom>
-          <a:noFill/>
-        </p:spPr>
-        <p:txBody>
-          <a:bodyPr vert="eaVert" wrap="square" rtlCol="0">
-            <a:spAutoFit/>
-          </a:bodyPr>
-          <a:lstStyle/>
-          <a:p>
-            <a:r>
-              <a:rPr lang="en-US" altLang="zh-CN" sz="1400" dirty="0"/>
-              <a:t>To Space</a:t>
-            </a:r>
-            <a:endParaRPr lang="zh-CN" altLang="en-US" sz="1400" dirty="0"/>
-          </a:p>
-        </p:txBody>
-      </p:sp>
-      <p:sp>
-        <p:nvSpPr>
-          <p:cNvPr id="14" name="文本框 13">
-            <a:extLst>
-              <a:ext uri="{FF2B5EF4-FFF2-40B4-BE49-F238E27FC236}">
-                <a16:creationId xmlns:a16="http://schemas.microsoft.com/office/drawing/2014/main" id="{B723295D-5BAB-48A6-8E9F-EF1570B0CC11}"/>
-              </a:ext>
-            </a:extLst>
-          </p:cNvPr>
-          <p:cNvSpPr txBox="1"/>
-          <p:nvPr/>
-        </p:nvSpPr>
-        <p:spPr>
-          <a:xfrm>
-            <a:off x="9448319" y="2462921"/>
-            <a:ext cx="400110" cy="1022684"/>
-          </a:xfrm>
-          <a:prstGeom prst="rect">
-            <a:avLst/>
-          </a:prstGeom>
-          <a:noFill/>
-        </p:spPr>
-        <p:txBody>
-          <a:bodyPr vert="eaVert" wrap="square" rtlCol="0">
-            <a:spAutoFit/>
-          </a:bodyPr>
-          <a:lstStyle/>
-          <a:p>
-            <a:r>
-              <a:rPr lang="en-US" altLang="zh-CN" sz="1400" dirty="0"/>
-              <a:t>(</a:t>
-            </a:r>
-            <a:r>
-              <a:rPr lang="zh-CN" altLang="en-US" sz="1400" dirty="0"/>
-              <a:t>目标空间</a:t>
-            </a:r>
-            <a:r>
-              <a:rPr lang="en-US" altLang="zh-CN" sz="1400" dirty="0"/>
-              <a:t>)</a:t>
-            </a:r>
-            <a:endParaRPr lang="zh-CN" altLang="en-US" sz="1400" dirty="0"/>
-          </a:p>
-        </p:txBody>
-      </p:sp>
-      <p:sp>
-        <p:nvSpPr>
-          <p:cNvPr id="16" name="左大括号 15">
-            <a:extLst>
-              <a:ext uri="{FF2B5EF4-FFF2-40B4-BE49-F238E27FC236}">
-                <a16:creationId xmlns:a16="http://schemas.microsoft.com/office/drawing/2014/main" id="{F7958E3E-F7E0-4687-93BB-F7FA41E24A74}"/>
-              </a:ext>
-            </a:extLst>
-          </p:cNvPr>
-          <p:cNvSpPr/>
-          <p:nvPr/>
-        </p:nvSpPr>
-        <p:spPr>
-          <a:xfrm rot="16200000">
-            <a:off x="3854027" y="3770899"/>
-            <a:ext cx="224766" cy="906380"/>
-          </a:xfrm>
-          <a:prstGeom prst="leftBrace">
-            <a:avLst/>
-          </a:prstGeom>
+          <a:ln w="28575"/>
         </p:spPr>
         <p:style>
           <a:lnRef idx="1">
@@ -3872,6 +3834,44 @@
             <a:schemeClr val="tx1"/>
           </a:fontRef>
         </p:style>
+      </p:cxnSp>
+      <p:sp>
+        <p:nvSpPr>
+          <p:cNvPr id="18" name="等腰三角形 17">
+            <a:extLst>
+              <a:ext uri="{FF2B5EF4-FFF2-40B4-BE49-F238E27FC236}">
+                <a16:creationId xmlns:a16="http://schemas.microsoft.com/office/drawing/2014/main" id="{3AF15D7B-3F6F-43E0-8B11-E822F420F7D4}"/>
+              </a:ext>
+            </a:extLst>
+          </p:cNvPr>
+          <p:cNvSpPr/>
+          <p:nvPr/>
+        </p:nvSpPr>
+        <p:spPr>
+          <a:xfrm>
+            <a:off x="4170959" y="4261948"/>
+            <a:ext cx="248653" cy="228096"/>
+          </a:xfrm>
+          <a:prstGeom prst="triangle">
+            <a:avLst/>
+          </a:prstGeom>
+        </p:spPr>
+        <p:style>
+          <a:lnRef idx="2">
+            <a:schemeClr val="accent1">
+              <a:shade val="50000"/>
+            </a:schemeClr>
+          </a:lnRef>
+          <a:fillRef idx="1">
+            <a:schemeClr val="accent1"/>
+          </a:fillRef>
+          <a:effectRef idx="0">
+            <a:schemeClr val="accent1"/>
+          </a:effectRef>
+          <a:fontRef idx="minor">
+            <a:schemeClr val="lt1"/>
+          </a:fontRef>
+        </p:style>
         <p:txBody>
           <a:bodyPr rtlCol="0" anchor="ctr"/>
           <a:lstStyle/>
@@ -3881,61 +3881,33 @@
           </a:p>
         </p:txBody>
       </p:sp>
-      <p:sp>
-        <p:nvSpPr>
-          <p:cNvPr id="17" name="文本框 16">
-            <a:extLst>
-              <a:ext uri="{FF2B5EF4-FFF2-40B4-BE49-F238E27FC236}">
-                <a16:creationId xmlns:a16="http://schemas.microsoft.com/office/drawing/2014/main" id="{0190DE20-FB27-4D29-99A4-D66580052965}"/>
-              </a:ext>
-            </a:extLst>
-          </p:cNvPr>
-          <p:cNvSpPr txBox="1"/>
+      <p:cxnSp>
+        <p:nvCxnSpPr>
+          <p:cNvPr id="19" name="连接符: 肘形 18">
+            <a:extLst>
+              <a:ext uri="{FF2B5EF4-FFF2-40B4-BE49-F238E27FC236}">
+                <a16:creationId xmlns:a16="http://schemas.microsoft.com/office/drawing/2014/main" id="{DF106ABD-4144-42E3-A5E4-8AA8B8F6153E}"/>
+              </a:ext>
+            </a:extLst>
+          </p:cNvPr>
+          <p:cNvCxnSpPr>
+            <a:cxnSpLocks/>
+            <a:stCxn id="18" idx="3"/>
+            <a:endCxn id="4" idx="0"/>
+          </p:cNvCxnSpPr>
           <p:nvPr/>
-        </p:nvSpPr>
+        </p:nvCxnSpPr>
         <p:spPr>
-          <a:xfrm>
-            <a:off x="3580688" y="4349134"/>
-            <a:ext cx="800219" cy="276999"/>
+          <a:xfrm rot="16200000" flipH="1">
+            <a:off x="5419115" y="3366215"/>
+            <a:ext cx="511585" cy="2759242"/>
           </a:xfrm>
-          <a:prstGeom prst="rect">
-            <a:avLst/>
+          <a:prstGeom prst="bentConnector3">
+            <a:avLst>
+              <a:gd name="adj1" fmla="val 50000"/>
+            </a:avLst>
           </a:prstGeom>
-          <a:noFill/>
-        </p:spPr>
-        <p:txBody>
-          <a:bodyPr wrap="none" rtlCol="0">
-            <a:spAutoFit/>
-          </a:bodyPr>
-          <a:lstStyle/>
-          <a:p>
-            <a:r>
-              <a:rPr lang="zh-CN" altLang="en-US" sz="1200" dirty="0"/>
-              <a:t>永久空间</a:t>
-            </a:r>
-          </a:p>
-        </p:txBody>
-      </p:sp>
-      <p:sp>
-        <p:nvSpPr>
-          <p:cNvPr id="18" name="左大括号 17">
-            <a:extLst>
-              <a:ext uri="{FF2B5EF4-FFF2-40B4-BE49-F238E27FC236}">
-                <a16:creationId xmlns:a16="http://schemas.microsoft.com/office/drawing/2014/main" id="{8DBFBB98-4FD7-401C-8DC3-01E66F309C1B}"/>
-              </a:ext>
-            </a:extLst>
-          </p:cNvPr>
-          <p:cNvSpPr/>
-          <p:nvPr/>
-        </p:nvSpPr>
-        <p:spPr>
-          <a:xfrm rot="16200000">
-            <a:off x="7367249" y="3632231"/>
-            <a:ext cx="224766" cy="1195138"/>
-          </a:xfrm>
-          <a:prstGeom prst="leftBrace">
-            <a:avLst/>
-          </a:prstGeom>
+          <a:ln w="28575"/>
         </p:spPr>
         <p:style>
           <a:lnRef idx="1">
@@ -3951,21 +3923,13 @@
             <a:schemeClr val="tx1"/>
           </a:fontRef>
         </p:style>
-        <p:txBody>
-          <a:bodyPr rtlCol="0" anchor="ctr"/>
-          <a:lstStyle/>
-          <a:p>
-            <a:pPr algn="ctr"/>
-            <a:endParaRPr lang="zh-CN" altLang="en-US"/>
-          </a:p>
-        </p:txBody>
-      </p:sp>
-      <p:sp>
-        <p:nvSpPr>
-          <p:cNvPr id="19" name="左大括号 18">
-            <a:extLst>
-              <a:ext uri="{FF2B5EF4-FFF2-40B4-BE49-F238E27FC236}">
-                <a16:creationId xmlns:a16="http://schemas.microsoft.com/office/drawing/2014/main" id="{4BD4D8E5-07DB-4F20-A32F-64B00CBC2B07}"/>
+      </p:cxnSp>
+      <p:sp>
+        <p:nvSpPr>
+          <p:cNvPr id="27" name="矩形 26">
+            <a:extLst>
+              <a:ext uri="{FF2B5EF4-FFF2-40B4-BE49-F238E27FC236}">
+                <a16:creationId xmlns:a16="http://schemas.microsoft.com/office/drawing/2014/main" id="{BF431EE6-4625-4294-8CF7-082020F51592}"/>
               </a:ext>
             </a:extLst>
           </p:cNvPr>
@@ -3973,668 +3937,33 @@
           <p:nvPr/>
         </p:nvSpPr>
         <p:spPr>
-          <a:xfrm rot="16200000">
-            <a:off x="8422019" y="3779551"/>
-            <a:ext cx="224766" cy="914400"/>
-          </a:xfrm>
-          <a:prstGeom prst="leftBrace">
-            <a:avLst/>
-          </a:prstGeom>
-        </p:spPr>
-        <p:style>
-          <a:lnRef idx="1">
-            <a:schemeClr val="accent1"/>
-          </a:lnRef>
-          <a:fillRef idx="0">
-            <a:schemeClr val="accent1"/>
-          </a:fillRef>
-          <a:effectRef idx="0">
-            <a:schemeClr val="accent1"/>
-          </a:effectRef>
-          <a:fontRef idx="minor">
-            <a:schemeClr val="tx1"/>
-          </a:fontRef>
-        </p:style>
-        <p:txBody>
-          <a:bodyPr rtlCol="0" anchor="ctr"/>
-          <a:lstStyle/>
-          <a:p>
-            <a:pPr algn="ctr"/>
-            <a:endParaRPr lang="zh-CN" altLang="en-US"/>
-          </a:p>
-        </p:txBody>
-      </p:sp>
-      <p:sp>
-        <p:nvSpPr>
-          <p:cNvPr id="20" name="文本框 19">
-            <a:extLst>
-              <a:ext uri="{FF2B5EF4-FFF2-40B4-BE49-F238E27FC236}">
-                <a16:creationId xmlns:a16="http://schemas.microsoft.com/office/drawing/2014/main" id="{26FD0071-D697-49DA-8873-850251867722}"/>
-              </a:ext>
-            </a:extLst>
-          </p:cNvPr>
-          <p:cNvSpPr txBox="1"/>
-          <p:nvPr/>
-        </p:nvSpPr>
-        <p:spPr>
           <a:xfrm>
-            <a:off x="7344819" y="4349134"/>
-            <a:ext cx="269626" cy="276999"/>
-          </a:xfrm>
-          <a:prstGeom prst="rect">
-            <a:avLst/>
-          </a:prstGeom>
-          <a:noFill/>
-        </p:spPr>
-        <p:txBody>
-          <a:bodyPr wrap="none" rtlCol="0">
-            <a:spAutoFit/>
-          </a:bodyPr>
-          <a:lstStyle/>
-          <a:p>
-            <a:r>
-              <a:rPr lang="en-US" altLang="zh-CN" sz="1200" dirty="0"/>
-              <a:t>n</a:t>
-            </a:r>
-            <a:endParaRPr lang="zh-CN" altLang="en-US" sz="1200" dirty="0"/>
-          </a:p>
-        </p:txBody>
-      </p:sp>
-      <p:sp>
-        <p:nvSpPr>
-          <p:cNvPr id="21" name="文本框 20">
-            <a:extLst>
-              <a:ext uri="{FF2B5EF4-FFF2-40B4-BE49-F238E27FC236}">
-                <a16:creationId xmlns:a16="http://schemas.microsoft.com/office/drawing/2014/main" id="{504CCFB8-BC7A-4422-B3B4-3108D320144F}"/>
-              </a:ext>
-            </a:extLst>
-          </p:cNvPr>
-          <p:cNvSpPr txBox="1"/>
-          <p:nvPr/>
-        </p:nvSpPr>
-        <p:spPr>
-          <a:xfrm>
-            <a:off x="8397179" y="4349133"/>
-            <a:ext cx="266420" cy="276999"/>
-          </a:xfrm>
-          <a:prstGeom prst="rect">
-            <a:avLst/>
-          </a:prstGeom>
-          <a:noFill/>
-        </p:spPr>
-        <p:txBody>
-          <a:bodyPr wrap="none" rtlCol="0">
-            <a:spAutoFit/>
-          </a:bodyPr>
-          <a:lstStyle/>
-          <a:p>
-            <a:r>
-              <a:rPr lang="en-US" altLang="zh-CN" sz="1200" dirty="0"/>
-              <a:t>1</a:t>
-            </a:r>
-            <a:endParaRPr lang="zh-CN" altLang="en-US" sz="1200" dirty="0"/>
-          </a:p>
-        </p:txBody>
-      </p:sp>
-      <p:sp>
-        <p:nvSpPr>
-          <p:cNvPr id="22" name="文本框 21">
-            <a:extLst>
-              <a:ext uri="{FF2B5EF4-FFF2-40B4-BE49-F238E27FC236}">
-                <a16:creationId xmlns:a16="http://schemas.microsoft.com/office/drawing/2014/main" id="{1C6C7A8F-266E-445D-BD20-DF42A434980B}"/>
-              </a:ext>
-            </a:extLst>
-          </p:cNvPr>
-          <p:cNvSpPr txBox="1"/>
-          <p:nvPr/>
-        </p:nvSpPr>
-        <p:spPr>
-          <a:xfrm>
-            <a:off x="7456671" y="4577410"/>
-            <a:ext cx="1225015" cy="276999"/>
-          </a:xfrm>
-          <a:prstGeom prst="rect">
-            <a:avLst/>
-          </a:prstGeom>
-          <a:noFill/>
-        </p:spPr>
-        <p:txBody>
-          <a:bodyPr wrap="none" rtlCol="0">
-            <a:spAutoFit/>
-          </a:bodyPr>
-          <a:lstStyle/>
-          <a:p>
-            <a:r>
-              <a:rPr lang="zh-CN" altLang="en-US" sz="1200" dirty="0"/>
-              <a:t>存活空间比 </a:t>
-            </a:r>
-            <a:r>
-              <a:rPr lang="en-US" altLang="zh-CN" sz="1200" dirty="0"/>
-              <a:t>= n</a:t>
-            </a:r>
-            <a:endParaRPr lang="zh-CN" altLang="en-US" sz="1200" dirty="0"/>
-          </a:p>
-        </p:txBody>
-      </p:sp>
-      <p:sp>
-        <p:nvSpPr>
-          <p:cNvPr id="24" name="左大括号 23">
-            <a:extLst>
-              <a:ext uri="{FF2B5EF4-FFF2-40B4-BE49-F238E27FC236}">
-                <a16:creationId xmlns:a16="http://schemas.microsoft.com/office/drawing/2014/main" id="{CEB7585F-E830-4F64-98E9-D018AF95EABE}"/>
-              </a:ext>
-            </a:extLst>
-          </p:cNvPr>
-          <p:cNvSpPr/>
-          <p:nvPr/>
-        </p:nvSpPr>
-        <p:spPr>
-          <a:xfrm rot="16200000">
-            <a:off x="7046406" y="2198774"/>
-            <a:ext cx="224766" cy="5478380"/>
-          </a:xfrm>
-          <a:prstGeom prst="leftBrace">
-            <a:avLst/>
-          </a:prstGeom>
-        </p:spPr>
-        <p:style>
-          <a:lnRef idx="1">
-            <a:schemeClr val="accent1"/>
-          </a:lnRef>
-          <a:fillRef idx="0">
-            <a:schemeClr val="accent1"/>
-          </a:fillRef>
-          <a:effectRef idx="0">
-            <a:schemeClr val="accent1"/>
-          </a:effectRef>
-          <a:fontRef idx="minor">
-            <a:schemeClr val="tx1"/>
-          </a:fontRef>
-        </p:style>
-        <p:txBody>
-          <a:bodyPr rtlCol="0" anchor="ctr"/>
-          <a:lstStyle/>
-          <a:p>
-            <a:pPr algn="ctr"/>
-            <a:endParaRPr lang="zh-CN" altLang="en-US"/>
-          </a:p>
-        </p:txBody>
-      </p:sp>
-      <p:sp>
-        <p:nvSpPr>
-          <p:cNvPr id="25" name="文本框 24">
-            <a:extLst>
-              <a:ext uri="{FF2B5EF4-FFF2-40B4-BE49-F238E27FC236}">
-                <a16:creationId xmlns:a16="http://schemas.microsoft.com/office/drawing/2014/main" id="{7D60A213-560A-4A83-884F-44C554BA4DBC}"/>
-              </a:ext>
-            </a:extLst>
-          </p:cNvPr>
-          <p:cNvSpPr txBox="1"/>
-          <p:nvPr/>
-        </p:nvSpPr>
-        <p:spPr>
-          <a:xfrm>
-            <a:off x="6450903" y="5139690"/>
-            <a:ext cx="1415772" cy="276999"/>
-          </a:xfrm>
-          <a:prstGeom prst="rect">
-            <a:avLst/>
-          </a:prstGeom>
-          <a:noFill/>
-        </p:spPr>
-        <p:txBody>
-          <a:bodyPr wrap="none" rtlCol="0">
-            <a:spAutoFit/>
-          </a:bodyPr>
-          <a:lstStyle/>
-          <a:p>
-            <a:r>
-              <a:rPr lang="zh-CN" altLang="en-US" sz="1200" dirty="0"/>
-              <a:t>总共的堆内存空间</a:t>
-            </a:r>
-          </a:p>
-        </p:txBody>
-      </p:sp>
-      <p:sp>
-        <p:nvSpPr>
-          <p:cNvPr id="26" name="左大括号 25">
-            <a:extLst>
-              <a:ext uri="{FF2B5EF4-FFF2-40B4-BE49-F238E27FC236}">
-                <a16:creationId xmlns:a16="http://schemas.microsoft.com/office/drawing/2014/main" id="{F010CF04-0228-4107-8B93-7B6D94F3AE44}"/>
-              </a:ext>
-            </a:extLst>
-          </p:cNvPr>
-          <p:cNvSpPr/>
-          <p:nvPr/>
-        </p:nvSpPr>
-        <p:spPr>
-          <a:xfrm rot="5400000">
-            <a:off x="8279482" y="211183"/>
-            <a:ext cx="224766" cy="3019606"/>
-          </a:xfrm>
-          <a:prstGeom prst="leftBrace">
-            <a:avLst/>
-          </a:prstGeom>
-        </p:spPr>
-        <p:style>
-          <a:lnRef idx="1">
-            <a:schemeClr val="accent1"/>
-          </a:lnRef>
-          <a:fillRef idx="0">
-            <a:schemeClr val="accent1"/>
-          </a:fillRef>
-          <a:effectRef idx="0">
-            <a:schemeClr val="accent1"/>
-          </a:effectRef>
-          <a:fontRef idx="minor">
-            <a:schemeClr val="tx1"/>
-          </a:fontRef>
-        </p:style>
-        <p:txBody>
-          <a:bodyPr rtlCol="0" anchor="ctr"/>
-          <a:lstStyle/>
-          <a:p>
-            <a:pPr algn="ctr"/>
-            <a:endParaRPr lang="zh-CN" altLang="en-US"/>
-          </a:p>
-        </p:txBody>
-      </p:sp>
-      <p:sp>
-        <p:nvSpPr>
-          <p:cNvPr id="27" name="文本框 26">
-            <a:extLst>
-              <a:ext uri="{FF2B5EF4-FFF2-40B4-BE49-F238E27FC236}">
-                <a16:creationId xmlns:a16="http://schemas.microsoft.com/office/drawing/2014/main" id="{C6DFCD12-8AC6-42DB-991F-2DBD2CF9186F}"/>
-              </a:ext>
-            </a:extLst>
-          </p:cNvPr>
-          <p:cNvSpPr txBox="1"/>
-          <p:nvPr/>
-        </p:nvSpPr>
-        <p:spPr>
-          <a:xfrm>
-            <a:off x="7914811" y="1323245"/>
-            <a:ext cx="954107" cy="276999"/>
-          </a:xfrm>
-          <a:prstGeom prst="rect">
-            <a:avLst/>
-          </a:prstGeom>
-          <a:noFill/>
-        </p:spPr>
-        <p:txBody>
-          <a:bodyPr wrap="none" rtlCol="0">
-            <a:spAutoFit/>
-          </a:bodyPr>
-          <a:lstStyle/>
-          <a:p>
-            <a:r>
-              <a:rPr lang="zh-CN" altLang="en-US" sz="1200" dirty="0"/>
-              <a:t>新对象空间</a:t>
-            </a:r>
-          </a:p>
-        </p:txBody>
-      </p:sp>
-      <p:sp>
-        <p:nvSpPr>
-          <p:cNvPr id="28" name="左大括号 27">
-            <a:extLst>
-              <a:ext uri="{FF2B5EF4-FFF2-40B4-BE49-F238E27FC236}">
-                <a16:creationId xmlns:a16="http://schemas.microsoft.com/office/drawing/2014/main" id="{AFF8F157-F1B2-4B58-A523-98C338EDD60F}"/>
-              </a:ext>
-            </a:extLst>
-          </p:cNvPr>
-          <p:cNvSpPr/>
-          <p:nvPr/>
-        </p:nvSpPr>
-        <p:spPr>
-          <a:xfrm rot="5400000">
-            <a:off x="5538446" y="-91948"/>
-            <a:ext cx="224766" cy="2462463"/>
-          </a:xfrm>
-          <a:prstGeom prst="leftBrace">
-            <a:avLst/>
-          </a:prstGeom>
-        </p:spPr>
-        <p:style>
-          <a:lnRef idx="1">
-            <a:schemeClr val="accent1"/>
-          </a:lnRef>
-          <a:fillRef idx="0">
-            <a:schemeClr val="accent1"/>
-          </a:fillRef>
-          <a:effectRef idx="0">
-            <a:schemeClr val="accent1"/>
-          </a:effectRef>
-          <a:fontRef idx="minor">
-            <a:schemeClr val="tx1"/>
-          </a:fontRef>
-        </p:style>
-        <p:txBody>
-          <a:bodyPr rtlCol="0" anchor="ctr"/>
-          <a:lstStyle/>
-          <a:p>
-            <a:pPr algn="ctr"/>
-            <a:endParaRPr lang="zh-CN" altLang="en-US"/>
-          </a:p>
-        </p:txBody>
-      </p:sp>
-      <p:sp>
-        <p:nvSpPr>
-          <p:cNvPr id="29" name="左大括号 28">
-            <a:extLst>
-              <a:ext uri="{FF2B5EF4-FFF2-40B4-BE49-F238E27FC236}">
-                <a16:creationId xmlns:a16="http://schemas.microsoft.com/office/drawing/2014/main" id="{7C40CD18-41B1-4248-8CC3-B17B54CC5243}"/>
-              </a:ext>
-            </a:extLst>
-          </p:cNvPr>
-          <p:cNvSpPr/>
-          <p:nvPr/>
-        </p:nvSpPr>
-        <p:spPr>
-          <a:xfrm rot="5400000">
-            <a:off x="8275794" y="-369407"/>
-            <a:ext cx="224766" cy="3019606"/>
-          </a:xfrm>
-          <a:prstGeom prst="leftBrace">
-            <a:avLst/>
-          </a:prstGeom>
-        </p:spPr>
-        <p:style>
-          <a:lnRef idx="1">
-            <a:schemeClr val="accent1"/>
-          </a:lnRef>
-          <a:fillRef idx="0">
-            <a:schemeClr val="accent1"/>
-          </a:fillRef>
-          <a:effectRef idx="0">
-            <a:schemeClr val="accent1"/>
-          </a:effectRef>
-          <a:fontRef idx="minor">
-            <a:schemeClr val="tx1"/>
-          </a:fontRef>
-        </p:style>
-        <p:txBody>
-          <a:bodyPr rtlCol="0" anchor="ctr"/>
-          <a:lstStyle/>
-          <a:p>
-            <a:pPr algn="ctr"/>
-            <a:endParaRPr lang="zh-CN" altLang="en-US"/>
-          </a:p>
-        </p:txBody>
-      </p:sp>
-      <p:sp>
-        <p:nvSpPr>
-          <p:cNvPr id="30" name="文本框 29">
-            <a:extLst>
-              <a:ext uri="{FF2B5EF4-FFF2-40B4-BE49-F238E27FC236}">
-                <a16:creationId xmlns:a16="http://schemas.microsoft.com/office/drawing/2014/main" id="{E41DAAD9-1F7B-4197-A44E-674316038669}"/>
-              </a:ext>
-            </a:extLst>
-          </p:cNvPr>
-          <p:cNvSpPr txBox="1"/>
-          <p:nvPr/>
-        </p:nvSpPr>
-        <p:spPr>
-          <a:xfrm>
-            <a:off x="5491731" y="764316"/>
-            <a:ext cx="314510" cy="276999"/>
-          </a:xfrm>
-          <a:prstGeom prst="rect">
-            <a:avLst/>
-          </a:prstGeom>
-          <a:noFill/>
-        </p:spPr>
-        <p:txBody>
-          <a:bodyPr wrap="none" rtlCol="0">
-            <a:spAutoFit/>
-          </a:bodyPr>
-          <a:lstStyle/>
-          <a:p>
-            <a:r>
-              <a:rPr lang="en-US" altLang="zh-CN" sz="1200" dirty="0"/>
-              <a:t>m</a:t>
-            </a:r>
-            <a:endParaRPr lang="zh-CN" altLang="en-US" sz="1200" dirty="0"/>
-          </a:p>
-        </p:txBody>
-      </p:sp>
-      <p:sp>
-        <p:nvSpPr>
-          <p:cNvPr id="31" name="文本框 30">
-            <a:extLst>
-              <a:ext uri="{FF2B5EF4-FFF2-40B4-BE49-F238E27FC236}">
-                <a16:creationId xmlns:a16="http://schemas.microsoft.com/office/drawing/2014/main" id="{7CB95BD8-D79D-418A-9ED7-B70EBFC9DCD2}"/>
-              </a:ext>
-            </a:extLst>
-          </p:cNvPr>
-          <p:cNvSpPr txBox="1"/>
-          <p:nvPr/>
-        </p:nvSpPr>
-        <p:spPr>
-          <a:xfrm>
-            <a:off x="8254967" y="751624"/>
-            <a:ext cx="266420" cy="276999"/>
-          </a:xfrm>
-          <a:prstGeom prst="rect">
-            <a:avLst/>
-          </a:prstGeom>
-          <a:noFill/>
-        </p:spPr>
-        <p:txBody>
-          <a:bodyPr wrap="none" rtlCol="0">
-            <a:spAutoFit/>
-          </a:bodyPr>
-          <a:lstStyle/>
-          <a:p>
-            <a:r>
-              <a:rPr lang="en-US" altLang="zh-CN" sz="1200" dirty="0"/>
-              <a:t>1</a:t>
-            </a:r>
-            <a:endParaRPr lang="zh-CN" altLang="en-US" sz="1200" dirty="0"/>
-          </a:p>
-        </p:txBody>
-      </p:sp>
-      <p:sp>
-        <p:nvSpPr>
-          <p:cNvPr id="32" name="文本框 31">
-            <a:extLst>
-              <a:ext uri="{FF2B5EF4-FFF2-40B4-BE49-F238E27FC236}">
-                <a16:creationId xmlns:a16="http://schemas.microsoft.com/office/drawing/2014/main" id="{2CD2B303-E7DC-4A3E-96A3-1D0A9D7B7CFA}"/>
-              </a:ext>
-            </a:extLst>
-          </p:cNvPr>
-          <p:cNvSpPr txBox="1"/>
-          <p:nvPr/>
-        </p:nvSpPr>
-        <p:spPr>
-          <a:xfrm>
-            <a:off x="6235831" y="751319"/>
-            <a:ext cx="1423788" cy="276999"/>
-          </a:xfrm>
-          <a:prstGeom prst="rect">
-            <a:avLst/>
-          </a:prstGeom>
-          <a:noFill/>
-        </p:spPr>
-        <p:txBody>
-          <a:bodyPr wrap="none" rtlCol="0">
-            <a:spAutoFit/>
-          </a:bodyPr>
-          <a:lstStyle/>
-          <a:p>
-            <a:r>
-              <a:rPr lang="zh-CN" altLang="en-US" sz="1200" dirty="0"/>
-              <a:t>新对象空间比 </a:t>
-            </a:r>
-            <a:r>
-              <a:rPr lang="en-US" altLang="zh-CN" sz="1200" dirty="0"/>
-              <a:t>= m</a:t>
-            </a:r>
-            <a:endParaRPr lang="zh-CN" altLang="en-US" sz="1200" dirty="0"/>
-          </a:p>
-        </p:txBody>
-      </p:sp>
-      <p:sp>
-        <p:nvSpPr>
-          <p:cNvPr id="33" name="文本框 32">
-            <a:extLst>
-              <a:ext uri="{FF2B5EF4-FFF2-40B4-BE49-F238E27FC236}">
-                <a16:creationId xmlns:a16="http://schemas.microsoft.com/office/drawing/2014/main" id="{706E2633-1055-4DE3-ACB6-3D88673208B6}"/>
-              </a:ext>
-            </a:extLst>
-          </p:cNvPr>
-          <p:cNvSpPr txBox="1"/>
-          <p:nvPr/>
-        </p:nvSpPr>
-        <p:spPr>
-          <a:xfrm>
-            <a:off x="481263" y="200526"/>
-            <a:ext cx="1527982" cy="369332"/>
-          </a:xfrm>
-          <a:prstGeom prst="rect">
-            <a:avLst/>
-          </a:prstGeom>
-          <a:noFill/>
-        </p:spPr>
-        <p:txBody>
-          <a:bodyPr wrap="none" rtlCol="0">
-            <a:spAutoFit/>
-          </a:bodyPr>
-          <a:lstStyle/>
-          <a:p>
-            <a:r>
-              <a:rPr lang="en-US" altLang="zh-CN" dirty="0"/>
-              <a:t>JVM</a:t>
-            </a:r>
-            <a:r>
-              <a:rPr lang="zh-CN" altLang="en-US" dirty="0"/>
-              <a:t>内存划分</a:t>
-            </a:r>
-          </a:p>
-        </p:txBody>
-      </p:sp>
-    </p:spTree>
-    <p:extLst>
-      <p:ext uri="{BB962C8B-B14F-4D97-AF65-F5344CB8AC3E}">
-        <p14:creationId xmlns:p14="http://schemas.microsoft.com/office/powerpoint/2010/main" val="2078431251"/>
-      </p:ext>
-    </p:extLst>
-  </p:cSld>
-  <p:clrMapOvr>
-    <a:masterClrMapping/>
-  </p:clrMapOvr>
-</p:sld>
-</file>
-
-<file path=ppt/slides/slide2.xml><?xml version="1.0" encoding="utf-8"?>
-<p:sld xmlns:a="http://schemas.openxmlformats.org/drawingml/2006/main" xmlns:r="http://schemas.openxmlformats.org/officeDocument/2006/relationships" xmlns:p="http://schemas.openxmlformats.org/presentationml/2006/main">
-  <p:cSld>
-    <p:spTree>
-      <p:nvGrpSpPr>
-        <p:cNvPr id="1" name=""/>
-        <p:cNvGrpSpPr/>
-        <p:nvPr/>
-      </p:nvGrpSpPr>
-      <p:grpSpPr>
-        <a:xfrm>
-          <a:off x="0" y="0"/>
-          <a:ext cx="0" cy="0"/>
-          <a:chOff x="0" y="0"/>
-          <a:chExt cx="0" cy="0"/>
-        </a:xfrm>
-      </p:grpSpPr>
-      <p:sp>
-        <p:nvSpPr>
-          <p:cNvPr id="4" name="文本框 3">
-            <a:extLst>
-              <a:ext uri="{FF2B5EF4-FFF2-40B4-BE49-F238E27FC236}">
-                <a16:creationId xmlns:a16="http://schemas.microsoft.com/office/drawing/2014/main" id="{D80904DE-992F-4097-9B92-6B18CD9EF31D}"/>
-              </a:ext>
-            </a:extLst>
-          </p:cNvPr>
-          <p:cNvSpPr txBox="1"/>
-          <p:nvPr/>
-        </p:nvSpPr>
-        <p:spPr>
-          <a:xfrm>
-            <a:off x="9978190" y="192505"/>
-            <a:ext cx="1989647" cy="369332"/>
-          </a:xfrm>
-          <a:prstGeom prst="rect">
-            <a:avLst/>
-          </a:prstGeom>
-          <a:noFill/>
-        </p:spPr>
-        <p:txBody>
-          <a:bodyPr wrap="none" rtlCol="0">
-            <a:spAutoFit/>
-          </a:bodyPr>
-          <a:lstStyle/>
-          <a:p>
-            <a:r>
-              <a:rPr lang="en-US" altLang="zh-CN" dirty="0"/>
-              <a:t>JVM</a:t>
-            </a:r>
-            <a:r>
-              <a:rPr lang="zh-CN" altLang="en-US" dirty="0"/>
-              <a:t>垃圾回收流程</a:t>
-            </a:r>
-          </a:p>
-        </p:txBody>
-      </p:sp>
-      <p:sp>
-        <p:nvSpPr>
-          <p:cNvPr id="5" name="矩形 4">
-            <a:extLst>
-              <a:ext uri="{FF2B5EF4-FFF2-40B4-BE49-F238E27FC236}">
-                <a16:creationId xmlns:a16="http://schemas.microsoft.com/office/drawing/2014/main" id="{E0EFB760-747C-4FB9-84DD-DB398D027572}"/>
-              </a:ext>
-            </a:extLst>
-          </p:cNvPr>
-          <p:cNvSpPr/>
-          <p:nvPr/>
-        </p:nvSpPr>
-        <p:spPr>
-          <a:xfrm>
-            <a:off x="1022684" y="208554"/>
-            <a:ext cx="1491916" cy="449179"/>
+            <a:off x="2665061" y="765144"/>
+            <a:ext cx="3002745" cy="307777"/>
           </a:xfrm>
           <a:prstGeom prst="rect">
             <a:avLst/>
           </a:prstGeom>
         </p:spPr>
-        <p:style>
-          <a:lnRef idx="1">
-            <a:schemeClr val="accent6"/>
-          </a:lnRef>
-          <a:fillRef idx="2">
-            <a:schemeClr val="accent6"/>
-          </a:fillRef>
-          <a:effectRef idx="1">
-            <a:schemeClr val="accent6"/>
-          </a:effectRef>
-          <a:fontRef idx="minor">
-            <a:schemeClr val="dk1"/>
-          </a:fontRef>
-        </p:style>
-        <p:txBody>
-          <a:bodyPr rtlCol="0" anchor="ctr"/>
-          <a:lstStyle/>
-          <a:p>
-            <a:pPr algn="ctr"/>
-            <a:r>
-              <a:rPr lang="zh-CN" altLang="en-US" sz="1100" dirty="0"/>
-              <a:t>创建对象</a:t>
-            </a:r>
-          </a:p>
-        </p:txBody>
-      </p:sp>
-      <p:sp>
-        <p:nvSpPr>
-          <p:cNvPr id="6" name="流程图: 决策 5">
-            <a:extLst>
-              <a:ext uri="{FF2B5EF4-FFF2-40B4-BE49-F238E27FC236}">
-                <a16:creationId xmlns:a16="http://schemas.microsoft.com/office/drawing/2014/main" id="{C2AABFA0-3AEE-45AB-8B66-D7D4A7AF5D5C}"/>
+        <p:txBody>
+          <a:bodyPr wrap="none">
+            <a:spAutoFit/>
+          </a:bodyPr>
+          <a:lstStyle/>
+          <a:p>
+            <a:r>
+              <a:rPr lang="zh-CN" altLang="en-US" sz="1400" dirty="0"/>
+              <a:t>public final String format(Object obj)</a:t>
+            </a:r>
+          </a:p>
+        </p:txBody>
+      </p:sp>
+      <p:sp>
+        <p:nvSpPr>
+          <p:cNvPr id="29" name="矩形 28">
+            <a:extLst>
+              <a:ext uri="{FF2B5EF4-FFF2-40B4-BE49-F238E27FC236}">
+                <a16:creationId xmlns:a16="http://schemas.microsoft.com/office/drawing/2014/main" id="{8CC503C2-D79E-4B38-86F8-0276279FDA3D}"/>
               </a:ext>
             </a:extLst>
           </p:cNvPr>
@@ -4643,108 +3972,44 @@
         </p:nvSpPr>
         <p:spPr>
           <a:xfrm>
-            <a:off x="709863" y="1218843"/>
-            <a:ext cx="2117558" cy="545432"/>
-          </a:xfrm>
-          <a:prstGeom prst="flowChartDecision">
-            <a:avLst/>
-          </a:prstGeom>
-        </p:spPr>
-        <p:style>
-          <a:lnRef idx="1">
-            <a:schemeClr val="accent5"/>
-          </a:lnRef>
-          <a:fillRef idx="2">
-            <a:schemeClr val="accent5"/>
-          </a:fillRef>
-          <a:effectRef idx="1">
-            <a:schemeClr val="accent5"/>
-          </a:effectRef>
-          <a:fontRef idx="minor">
-            <a:schemeClr val="dk1"/>
-          </a:fontRef>
-        </p:style>
-        <p:txBody>
-          <a:bodyPr rtlCol="0" anchor="ctr"/>
-          <a:lstStyle/>
-          <a:p>
-            <a:pPr algn="ctr"/>
-            <a:r>
-              <a:rPr lang="en-US" altLang="zh-CN" sz="1000" dirty="0"/>
-              <a:t>Eden</a:t>
-            </a:r>
-            <a:r>
-              <a:rPr lang="zh-CN" altLang="en-US" sz="1000" dirty="0"/>
-              <a:t>空间是否充足？</a:t>
-            </a:r>
-          </a:p>
-        </p:txBody>
-      </p:sp>
-      <p:sp>
-        <p:nvSpPr>
-          <p:cNvPr id="7" name="矩形 6">
-            <a:extLst>
-              <a:ext uri="{FF2B5EF4-FFF2-40B4-BE49-F238E27FC236}">
-                <a16:creationId xmlns:a16="http://schemas.microsoft.com/office/drawing/2014/main" id="{C10436A7-4C16-4A70-9E32-5FEDDF36BD17}"/>
-              </a:ext>
-            </a:extLst>
-          </p:cNvPr>
-          <p:cNvSpPr/>
-          <p:nvPr/>
-        </p:nvSpPr>
-        <p:spPr>
-          <a:xfrm>
-            <a:off x="3834064" y="1266969"/>
-            <a:ext cx="1467852" cy="449179"/>
+            <a:off x="5443216" y="2866038"/>
+            <a:ext cx="4435830" cy="523220"/>
           </a:xfrm>
           <a:prstGeom prst="rect">
             <a:avLst/>
           </a:prstGeom>
         </p:spPr>
-        <p:style>
-          <a:lnRef idx="1">
-            <a:schemeClr val="accent6"/>
-          </a:lnRef>
-          <a:fillRef idx="2">
-            <a:schemeClr val="accent6"/>
-          </a:fillRef>
-          <a:effectRef idx="1">
-            <a:schemeClr val="accent6"/>
-          </a:effectRef>
-          <a:fontRef idx="minor">
-            <a:schemeClr val="dk1"/>
-          </a:fontRef>
-        </p:style>
-        <p:txBody>
-          <a:bodyPr rtlCol="0" anchor="ctr"/>
-          <a:lstStyle/>
-          <a:p>
-            <a:pPr algn="ctr"/>
-            <a:r>
-              <a:rPr lang="en-US" altLang="zh-CN" sz="1100" dirty="0" err="1"/>
-              <a:t>MinorGC</a:t>
-            </a:r>
-            <a:r>
-              <a:rPr lang="zh-CN" altLang="en-US" sz="1100" dirty="0"/>
-              <a:t>或</a:t>
-            </a:r>
-            <a:r>
-              <a:rPr lang="en-US" altLang="zh-CN" sz="1100" dirty="0" err="1"/>
-              <a:t>MajorGC</a:t>
-            </a:r>
-            <a:r>
-              <a:rPr lang="zh-CN" altLang="en-US" sz="1100" dirty="0"/>
-              <a:t>回收</a:t>
-            </a:r>
-          </a:p>
-        </p:txBody>
-      </p:sp>
-      <p:sp>
-        <p:nvSpPr>
-          <p:cNvPr id="8" name="流程图: 决策 7">
-            <a:extLst>
-              <a:ext uri="{FF2B5EF4-FFF2-40B4-BE49-F238E27FC236}">
-                <a16:creationId xmlns:a16="http://schemas.microsoft.com/office/drawing/2014/main" id="{735D5E6C-493B-4CBD-B788-D4F4F969238D}"/>
+        <p:txBody>
+          <a:bodyPr wrap="none">
+            <a:spAutoFit/>
+          </a:bodyPr>
+          <a:lstStyle/>
+          <a:p>
+            <a:r>
+              <a:rPr lang="zh-CN" altLang="en-US" sz="1400" dirty="0"/>
+              <a:t>public final String format(Date date)</a:t>
+            </a:r>
+            <a:endParaRPr lang="en-US" altLang="zh-CN" sz="1400" dirty="0"/>
+          </a:p>
+          <a:p>
+            <a:r>
+              <a:rPr lang="en-US" altLang="zh-CN" sz="1400" dirty="0"/>
+              <a:t>public Date parse(String source) throws </a:t>
+            </a:r>
+            <a:r>
+              <a:rPr lang="en-US" altLang="zh-CN" sz="1400" dirty="0" err="1"/>
+              <a:t>ParseException</a:t>
+            </a:r>
+            <a:endParaRPr lang="zh-CN" altLang="en-US" sz="1400" dirty="0"/>
+          </a:p>
+        </p:txBody>
+      </p:sp>
+      <p:sp>
+        <p:nvSpPr>
+          <p:cNvPr id="30" name="矩形 29">
+            <a:extLst>
+              <a:ext uri="{FF2B5EF4-FFF2-40B4-BE49-F238E27FC236}">
+                <a16:creationId xmlns:a16="http://schemas.microsoft.com/office/drawing/2014/main" id="{C59928F3-2015-4F79-8022-BF2C46EB09CE}"/>
               </a:ext>
             </a:extLst>
           </p:cNvPr>
@@ -4753,1126 +4018,30 @@
         </p:nvSpPr>
         <p:spPr>
           <a:xfrm>
-            <a:off x="3509211" y="2245537"/>
-            <a:ext cx="2117558" cy="545432"/>
-          </a:xfrm>
-          <a:prstGeom prst="flowChartDecision">
-            <a:avLst/>
-          </a:prstGeom>
-        </p:spPr>
-        <p:style>
-          <a:lnRef idx="1">
-            <a:schemeClr val="accent5"/>
-          </a:lnRef>
-          <a:fillRef idx="2">
-            <a:schemeClr val="accent5"/>
-          </a:fillRef>
-          <a:effectRef idx="1">
-            <a:schemeClr val="accent5"/>
-          </a:effectRef>
-          <a:fontRef idx="minor">
-            <a:schemeClr val="dk1"/>
-          </a:fontRef>
-        </p:style>
-        <p:txBody>
-          <a:bodyPr rtlCol="0" anchor="ctr"/>
-          <a:lstStyle/>
-          <a:p>
-            <a:pPr algn="ctr"/>
-            <a:r>
-              <a:rPr lang="en-US" altLang="zh-CN" sz="1000" dirty="0"/>
-              <a:t>Eden</a:t>
-            </a:r>
-            <a:r>
-              <a:rPr lang="zh-CN" altLang="en-US" sz="1000" dirty="0"/>
-              <a:t>空间是否充足？</a:t>
-            </a:r>
-          </a:p>
-        </p:txBody>
-      </p:sp>
-      <p:sp>
-        <p:nvSpPr>
-          <p:cNvPr id="9" name="矩形 8">
-            <a:extLst>
-              <a:ext uri="{FF2B5EF4-FFF2-40B4-BE49-F238E27FC236}">
-                <a16:creationId xmlns:a16="http://schemas.microsoft.com/office/drawing/2014/main" id="{BB527CD8-4925-4035-BAE1-585AFA9489D7}"/>
-              </a:ext>
-            </a:extLst>
-          </p:cNvPr>
-          <p:cNvSpPr/>
-          <p:nvPr/>
-        </p:nvSpPr>
-        <p:spPr>
-          <a:xfrm>
-            <a:off x="3834064" y="3464737"/>
-            <a:ext cx="1467852" cy="449179"/>
+            <a:off x="8117315" y="5386458"/>
+            <a:ext cx="3300904" cy="307777"/>
           </a:xfrm>
           <a:prstGeom prst="rect">
             <a:avLst/>
           </a:prstGeom>
         </p:spPr>
-        <p:style>
-          <a:lnRef idx="1">
-            <a:schemeClr val="accent6"/>
-          </a:lnRef>
-          <a:fillRef idx="2">
-            <a:schemeClr val="accent6"/>
-          </a:fillRef>
-          <a:effectRef idx="1">
-            <a:schemeClr val="accent6"/>
-          </a:effectRef>
-          <a:fontRef idx="minor">
-            <a:schemeClr val="dk1"/>
-          </a:fontRef>
-        </p:style>
-        <p:txBody>
-          <a:bodyPr rtlCol="0" anchor="ctr"/>
-          <a:lstStyle/>
-          <a:p>
-            <a:pPr algn="ctr"/>
-            <a:r>
-              <a:rPr lang="zh-CN" altLang="en-US" sz="1100" dirty="0"/>
-              <a:t>从</a:t>
-            </a:r>
-            <a:r>
-              <a:rPr lang="en-US" altLang="zh-CN" sz="1100" dirty="0"/>
-              <a:t>Eden</a:t>
-            </a:r>
-            <a:r>
-              <a:rPr lang="zh-CN" altLang="en-US" sz="1100" dirty="0"/>
-              <a:t>区保存到存活区</a:t>
-            </a:r>
-          </a:p>
-        </p:txBody>
-      </p:sp>
-      <p:sp>
-        <p:nvSpPr>
-          <p:cNvPr id="10" name="流程图: 决策 9">
-            <a:extLst>
-              <a:ext uri="{FF2B5EF4-FFF2-40B4-BE49-F238E27FC236}">
-                <a16:creationId xmlns:a16="http://schemas.microsoft.com/office/drawing/2014/main" id="{CFC88182-5BDE-45BE-9FD0-92F4DF5FA79A}"/>
-              </a:ext>
-            </a:extLst>
-          </p:cNvPr>
-          <p:cNvSpPr/>
-          <p:nvPr/>
-        </p:nvSpPr>
-        <p:spPr>
-          <a:xfrm>
-            <a:off x="3509211" y="4587684"/>
-            <a:ext cx="2117558" cy="545432"/>
-          </a:xfrm>
-          <a:prstGeom prst="flowChartDecision">
-            <a:avLst/>
-          </a:prstGeom>
-        </p:spPr>
-        <p:style>
-          <a:lnRef idx="1">
-            <a:schemeClr val="accent5"/>
-          </a:lnRef>
-          <a:fillRef idx="2">
-            <a:schemeClr val="accent5"/>
-          </a:fillRef>
-          <a:effectRef idx="1">
-            <a:schemeClr val="accent5"/>
-          </a:effectRef>
-          <a:fontRef idx="minor">
-            <a:schemeClr val="dk1"/>
-          </a:fontRef>
-        </p:style>
-        <p:txBody>
-          <a:bodyPr rtlCol="0" anchor="ctr"/>
-          <a:lstStyle/>
-          <a:p>
-            <a:pPr algn="ctr"/>
-            <a:r>
-              <a:rPr lang="zh-CN" altLang="en-US" sz="1000" dirty="0"/>
-              <a:t>旧生代空间是否充足？</a:t>
-            </a:r>
-          </a:p>
-        </p:txBody>
-      </p:sp>
-      <p:sp>
-        <p:nvSpPr>
-          <p:cNvPr id="11" name="矩形 10">
-            <a:extLst>
-              <a:ext uri="{FF2B5EF4-FFF2-40B4-BE49-F238E27FC236}">
-                <a16:creationId xmlns:a16="http://schemas.microsoft.com/office/drawing/2014/main" id="{C2D43AA2-EE5F-4831-BFBF-5556E36B66E0}"/>
-              </a:ext>
-            </a:extLst>
-          </p:cNvPr>
-          <p:cNvSpPr/>
-          <p:nvPr/>
-        </p:nvSpPr>
-        <p:spPr>
-          <a:xfrm>
-            <a:off x="3834064" y="5806884"/>
-            <a:ext cx="1467852" cy="449179"/>
-          </a:xfrm>
-          <a:prstGeom prst="rect">
-            <a:avLst/>
-          </a:prstGeom>
-        </p:spPr>
-        <p:style>
-          <a:lnRef idx="1">
-            <a:schemeClr val="accent6"/>
-          </a:lnRef>
-          <a:fillRef idx="2">
-            <a:schemeClr val="accent6"/>
-          </a:fillRef>
-          <a:effectRef idx="1">
-            <a:schemeClr val="accent6"/>
-          </a:effectRef>
-          <a:fontRef idx="minor">
-            <a:schemeClr val="dk1"/>
-          </a:fontRef>
-        </p:style>
-        <p:txBody>
-          <a:bodyPr rtlCol="0" anchor="ctr"/>
-          <a:lstStyle/>
-          <a:p>
-            <a:pPr algn="ctr"/>
-            <a:r>
-              <a:rPr lang="zh-CN" altLang="en-US" sz="1100" dirty="0"/>
-              <a:t>从存活区保存到旧生代区</a:t>
-            </a:r>
-          </a:p>
-        </p:txBody>
-      </p:sp>
-      <p:sp>
-        <p:nvSpPr>
-          <p:cNvPr id="12" name="矩形 11">
-            <a:extLst>
-              <a:ext uri="{FF2B5EF4-FFF2-40B4-BE49-F238E27FC236}">
-                <a16:creationId xmlns:a16="http://schemas.microsoft.com/office/drawing/2014/main" id="{341C69AD-F8E5-42D0-B342-9F82B3045A57}"/>
-              </a:ext>
-            </a:extLst>
-          </p:cNvPr>
-          <p:cNvSpPr/>
-          <p:nvPr/>
-        </p:nvSpPr>
-        <p:spPr>
-          <a:xfrm>
-            <a:off x="6216317" y="4635810"/>
-            <a:ext cx="1467852" cy="449179"/>
-          </a:xfrm>
-          <a:prstGeom prst="rect">
-            <a:avLst/>
-          </a:prstGeom>
-        </p:spPr>
-        <p:style>
-          <a:lnRef idx="1">
-            <a:schemeClr val="accent6"/>
-          </a:lnRef>
-          <a:fillRef idx="2">
-            <a:schemeClr val="accent6"/>
-          </a:fillRef>
-          <a:effectRef idx="1">
-            <a:schemeClr val="accent6"/>
-          </a:effectRef>
-          <a:fontRef idx="minor">
-            <a:schemeClr val="dk1"/>
-          </a:fontRef>
-        </p:style>
-        <p:txBody>
-          <a:bodyPr rtlCol="0" anchor="ctr"/>
-          <a:lstStyle/>
-          <a:p>
-            <a:pPr algn="ctr"/>
-            <a:r>
-              <a:rPr lang="en-US" altLang="zh-CN" sz="1100" dirty="0" err="1"/>
-              <a:t>FullGC</a:t>
-            </a:r>
-            <a:r>
-              <a:rPr lang="zh-CN" altLang="en-US" sz="1100" dirty="0"/>
-              <a:t>回收</a:t>
-            </a:r>
-          </a:p>
-        </p:txBody>
-      </p:sp>
-      <p:sp>
-        <p:nvSpPr>
-          <p:cNvPr id="13" name="流程图: 决策 12">
-            <a:extLst>
-              <a:ext uri="{FF2B5EF4-FFF2-40B4-BE49-F238E27FC236}">
-                <a16:creationId xmlns:a16="http://schemas.microsoft.com/office/drawing/2014/main" id="{1C32C272-ECE2-46F1-BF69-0296D497B587}"/>
-              </a:ext>
-            </a:extLst>
-          </p:cNvPr>
-          <p:cNvSpPr/>
-          <p:nvPr/>
-        </p:nvSpPr>
-        <p:spPr>
-          <a:xfrm>
-            <a:off x="5891464" y="5710631"/>
-            <a:ext cx="2117558" cy="545432"/>
-          </a:xfrm>
-          <a:prstGeom prst="flowChartDecision">
-            <a:avLst/>
-          </a:prstGeom>
-        </p:spPr>
-        <p:style>
-          <a:lnRef idx="1">
-            <a:schemeClr val="accent5"/>
-          </a:lnRef>
-          <a:fillRef idx="2">
-            <a:schemeClr val="accent5"/>
-          </a:fillRef>
-          <a:effectRef idx="1">
-            <a:schemeClr val="accent5"/>
-          </a:effectRef>
-          <a:fontRef idx="minor">
-            <a:schemeClr val="dk1"/>
-          </a:fontRef>
-        </p:style>
-        <p:txBody>
-          <a:bodyPr rtlCol="0" anchor="ctr"/>
-          <a:lstStyle/>
-          <a:p>
-            <a:pPr algn="ctr"/>
-            <a:r>
-              <a:rPr lang="zh-CN" altLang="en-US" sz="1000" dirty="0"/>
-              <a:t>存活区和旧生代区有空间？</a:t>
-            </a:r>
-          </a:p>
-        </p:txBody>
-      </p:sp>
-      <p:sp>
-        <p:nvSpPr>
-          <p:cNvPr id="14" name="矩形 13">
-            <a:extLst>
-              <a:ext uri="{FF2B5EF4-FFF2-40B4-BE49-F238E27FC236}">
-                <a16:creationId xmlns:a16="http://schemas.microsoft.com/office/drawing/2014/main" id="{B21E903D-1384-4ACA-A928-6A04BE3E0240}"/>
-              </a:ext>
-            </a:extLst>
-          </p:cNvPr>
-          <p:cNvSpPr/>
-          <p:nvPr/>
-        </p:nvSpPr>
-        <p:spPr>
-          <a:xfrm>
-            <a:off x="8510338" y="5758757"/>
-            <a:ext cx="1467852" cy="449179"/>
-          </a:xfrm>
-          <a:prstGeom prst="rect">
-            <a:avLst/>
-          </a:prstGeom>
-        </p:spPr>
-        <p:style>
-          <a:lnRef idx="1">
-            <a:schemeClr val="accent6"/>
-          </a:lnRef>
-          <a:fillRef idx="2">
-            <a:schemeClr val="accent6"/>
-          </a:fillRef>
-          <a:effectRef idx="1">
-            <a:schemeClr val="accent6"/>
-          </a:effectRef>
-          <a:fontRef idx="minor">
-            <a:schemeClr val="dk1"/>
-          </a:fontRef>
-        </p:style>
-        <p:txBody>
-          <a:bodyPr rtlCol="0" anchor="ctr"/>
-          <a:lstStyle/>
-          <a:p>
-            <a:pPr algn="ctr"/>
-            <a:r>
-              <a:rPr lang="zh-CN" altLang="en-US" sz="1100" dirty="0"/>
-              <a:t>抛出错误</a:t>
-            </a:r>
-            <a:r>
-              <a:rPr lang="en-US" altLang="zh-CN" sz="1100" dirty="0" err="1"/>
-              <a:t>OutOfMemoryError</a:t>
-            </a:r>
-            <a:endParaRPr lang="zh-CN" altLang="en-US" sz="1100" dirty="0"/>
-          </a:p>
-        </p:txBody>
-      </p:sp>
-      <p:sp>
-        <p:nvSpPr>
-          <p:cNvPr id="15" name="矩形 14">
-            <a:extLst>
-              <a:ext uri="{FF2B5EF4-FFF2-40B4-BE49-F238E27FC236}">
-                <a16:creationId xmlns:a16="http://schemas.microsoft.com/office/drawing/2014/main" id="{1964820E-C393-4E1B-AB5C-87D70F35D88B}"/>
-              </a:ext>
-            </a:extLst>
-          </p:cNvPr>
-          <p:cNvSpPr/>
-          <p:nvPr/>
-        </p:nvSpPr>
-        <p:spPr>
-          <a:xfrm>
-            <a:off x="1034716" y="4587684"/>
-            <a:ext cx="1467852" cy="449179"/>
-          </a:xfrm>
-          <a:prstGeom prst="rect">
-            <a:avLst/>
-          </a:prstGeom>
-        </p:spPr>
-        <p:style>
-          <a:lnRef idx="1">
-            <a:schemeClr val="accent6"/>
-          </a:lnRef>
-          <a:fillRef idx="2">
-            <a:schemeClr val="accent6"/>
-          </a:fillRef>
-          <a:effectRef idx="1">
-            <a:schemeClr val="accent6"/>
-          </a:effectRef>
-          <a:fontRef idx="minor">
-            <a:schemeClr val="dk1"/>
-          </a:fontRef>
-        </p:style>
-        <p:txBody>
-          <a:bodyPr rtlCol="0" anchor="ctr"/>
-          <a:lstStyle/>
-          <a:p>
-            <a:pPr algn="ctr"/>
-            <a:r>
-              <a:rPr lang="zh-CN" altLang="en-US" sz="1100" dirty="0"/>
-              <a:t>申请内存保存对象</a:t>
-            </a:r>
-          </a:p>
-        </p:txBody>
-      </p:sp>
-      <p:cxnSp>
-        <p:nvCxnSpPr>
-          <p:cNvPr id="17" name="直接箭头连接符 16">
-            <a:extLst>
-              <a:ext uri="{FF2B5EF4-FFF2-40B4-BE49-F238E27FC236}">
-                <a16:creationId xmlns:a16="http://schemas.microsoft.com/office/drawing/2014/main" id="{96394690-ABCA-4E9B-B49F-B9AECF6BD298}"/>
-              </a:ext>
-            </a:extLst>
-          </p:cNvPr>
-          <p:cNvCxnSpPr>
-            <a:stCxn id="5" idx="2"/>
-            <a:endCxn id="6" idx="0"/>
-          </p:cNvCxnSpPr>
-          <p:nvPr/>
-        </p:nvCxnSpPr>
-        <p:spPr>
-          <a:xfrm>
-            <a:off x="1768642" y="657733"/>
-            <a:ext cx="0" cy="561110"/>
-          </a:xfrm>
-          <a:prstGeom prst="straightConnector1">
-            <a:avLst/>
-          </a:prstGeom>
-          <a:ln w="28575">
-            <a:tailEnd type="triangle"/>
-          </a:ln>
-        </p:spPr>
-        <p:style>
-          <a:lnRef idx="3">
-            <a:schemeClr val="dk1"/>
-          </a:lnRef>
-          <a:fillRef idx="0">
-            <a:schemeClr val="dk1"/>
-          </a:fillRef>
-          <a:effectRef idx="2">
-            <a:schemeClr val="dk1"/>
-          </a:effectRef>
-          <a:fontRef idx="minor">
-            <a:schemeClr val="tx1"/>
-          </a:fontRef>
-        </p:style>
-      </p:cxnSp>
-      <p:cxnSp>
-        <p:nvCxnSpPr>
-          <p:cNvPr id="18" name="直接箭头连接符 17">
-            <a:extLst>
-              <a:ext uri="{FF2B5EF4-FFF2-40B4-BE49-F238E27FC236}">
-                <a16:creationId xmlns:a16="http://schemas.microsoft.com/office/drawing/2014/main" id="{92EB94D1-1184-45AA-AAC2-CE6924ABC152}"/>
-              </a:ext>
-            </a:extLst>
-          </p:cNvPr>
-          <p:cNvCxnSpPr>
-            <a:cxnSpLocks/>
-            <a:stCxn id="6" idx="2"/>
-            <a:endCxn id="15" idx="0"/>
-          </p:cNvCxnSpPr>
-          <p:nvPr/>
-        </p:nvCxnSpPr>
-        <p:spPr>
-          <a:xfrm>
-            <a:off x="1768642" y="1764275"/>
-            <a:ext cx="0" cy="2823409"/>
-          </a:xfrm>
-          <a:prstGeom prst="straightConnector1">
-            <a:avLst/>
-          </a:prstGeom>
-          <a:ln w="28575">
-            <a:tailEnd type="triangle"/>
-          </a:ln>
-        </p:spPr>
-        <p:style>
-          <a:lnRef idx="3">
-            <a:schemeClr val="dk1"/>
-          </a:lnRef>
-          <a:fillRef idx="0">
-            <a:schemeClr val="dk1"/>
-          </a:fillRef>
-          <a:effectRef idx="2">
-            <a:schemeClr val="dk1"/>
-          </a:effectRef>
-          <a:fontRef idx="minor">
-            <a:schemeClr val="tx1"/>
-          </a:fontRef>
-        </p:style>
-      </p:cxnSp>
-      <p:cxnSp>
-        <p:nvCxnSpPr>
-          <p:cNvPr id="21" name="直接箭头连接符 20">
-            <a:extLst>
-              <a:ext uri="{FF2B5EF4-FFF2-40B4-BE49-F238E27FC236}">
-                <a16:creationId xmlns:a16="http://schemas.microsoft.com/office/drawing/2014/main" id="{71E29851-9A79-4771-A334-D8C917961279}"/>
-              </a:ext>
-            </a:extLst>
-          </p:cNvPr>
-          <p:cNvCxnSpPr>
-            <a:cxnSpLocks/>
-            <a:stCxn id="6" idx="3"/>
-            <a:endCxn id="7" idx="1"/>
-          </p:cNvCxnSpPr>
-          <p:nvPr/>
-        </p:nvCxnSpPr>
-        <p:spPr>
-          <a:xfrm>
-            <a:off x="2827421" y="1491559"/>
-            <a:ext cx="1006643" cy="0"/>
-          </a:xfrm>
-          <a:prstGeom prst="straightConnector1">
-            <a:avLst/>
-          </a:prstGeom>
-          <a:ln w="28575">
-            <a:tailEnd type="triangle"/>
-          </a:ln>
-        </p:spPr>
-        <p:style>
-          <a:lnRef idx="3">
-            <a:schemeClr val="dk1"/>
-          </a:lnRef>
-          <a:fillRef idx="0">
-            <a:schemeClr val="dk1"/>
-          </a:fillRef>
-          <a:effectRef idx="2">
-            <a:schemeClr val="dk1"/>
-          </a:effectRef>
-          <a:fontRef idx="minor">
-            <a:schemeClr val="tx1"/>
-          </a:fontRef>
-        </p:style>
-      </p:cxnSp>
-      <p:cxnSp>
-        <p:nvCxnSpPr>
-          <p:cNvPr id="24" name="直接箭头连接符 23">
-            <a:extLst>
-              <a:ext uri="{FF2B5EF4-FFF2-40B4-BE49-F238E27FC236}">
-                <a16:creationId xmlns:a16="http://schemas.microsoft.com/office/drawing/2014/main" id="{1334F630-34C2-4420-9A2E-CEE0C6479EB4}"/>
-              </a:ext>
-            </a:extLst>
-          </p:cNvPr>
-          <p:cNvCxnSpPr>
-            <a:cxnSpLocks/>
-            <a:stCxn id="7" idx="2"/>
-            <a:endCxn id="8" idx="0"/>
-          </p:cNvCxnSpPr>
-          <p:nvPr/>
-        </p:nvCxnSpPr>
-        <p:spPr>
-          <a:xfrm>
-            <a:off x="4567990" y="1716148"/>
-            <a:ext cx="0" cy="529389"/>
-          </a:xfrm>
-          <a:prstGeom prst="straightConnector1">
-            <a:avLst/>
-          </a:prstGeom>
-          <a:ln w="28575">
-            <a:tailEnd type="triangle"/>
-          </a:ln>
-        </p:spPr>
-        <p:style>
-          <a:lnRef idx="3">
-            <a:schemeClr val="dk1"/>
-          </a:lnRef>
-          <a:fillRef idx="0">
-            <a:schemeClr val="dk1"/>
-          </a:fillRef>
-          <a:effectRef idx="2">
-            <a:schemeClr val="dk1"/>
-          </a:effectRef>
-          <a:fontRef idx="minor">
-            <a:schemeClr val="tx1"/>
-          </a:fontRef>
-        </p:style>
-      </p:cxnSp>
-      <p:cxnSp>
-        <p:nvCxnSpPr>
-          <p:cNvPr id="27" name="直接箭头连接符 26">
-            <a:extLst>
-              <a:ext uri="{FF2B5EF4-FFF2-40B4-BE49-F238E27FC236}">
-                <a16:creationId xmlns:a16="http://schemas.microsoft.com/office/drawing/2014/main" id="{2D6C7B78-2C48-4524-A174-FC9F0F7B483B}"/>
-              </a:ext>
-            </a:extLst>
-          </p:cNvPr>
-          <p:cNvCxnSpPr>
-            <a:cxnSpLocks/>
-            <a:stCxn id="8" idx="2"/>
-            <a:endCxn id="9" idx="0"/>
-          </p:cNvCxnSpPr>
-          <p:nvPr/>
-        </p:nvCxnSpPr>
-        <p:spPr>
-          <a:xfrm>
-            <a:off x="4567990" y="2790969"/>
-            <a:ext cx="0" cy="673768"/>
-          </a:xfrm>
-          <a:prstGeom prst="straightConnector1">
-            <a:avLst/>
-          </a:prstGeom>
-          <a:ln w="28575">
-            <a:tailEnd type="triangle"/>
-          </a:ln>
-        </p:spPr>
-        <p:style>
-          <a:lnRef idx="3">
-            <a:schemeClr val="dk1"/>
-          </a:lnRef>
-          <a:fillRef idx="0">
-            <a:schemeClr val="dk1"/>
-          </a:fillRef>
-          <a:effectRef idx="2">
-            <a:schemeClr val="dk1"/>
-          </a:effectRef>
-          <a:fontRef idx="minor">
-            <a:schemeClr val="tx1"/>
-          </a:fontRef>
-        </p:style>
-      </p:cxnSp>
-      <p:cxnSp>
-        <p:nvCxnSpPr>
-          <p:cNvPr id="30" name="直接箭头连接符 29">
-            <a:extLst>
-              <a:ext uri="{FF2B5EF4-FFF2-40B4-BE49-F238E27FC236}">
-                <a16:creationId xmlns:a16="http://schemas.microsoft.com/office/drawing/2014/main" id="{7C3D53B7-9793-4745-902D-0B92EB890342}"/>
-              </a:ext>
-            </a:extLst>
-          </p:cNvPr>
-          <p:cNvCxnSpPr>
-            <a:cxnSpLocks/>
-            <a:stCxn id="9" idx="2"/>
-            <a:endCxn id="10" idx="0"/>
-          </p:cNvCxnSpPr>
-          <p:nvPr/>
-        </p:nvCxnSpPr>
-        <p:spPr>
-          <a:xfrm>
-            <a:off x="4567990" y="3913916"/>
-            <a:ext cx="0" cy="673768"/>
-          </a:xfrm>
-          <a:prstGeom prst="straightConnector1">
-            <a:avLst/>
-          </a:prstGeom>
-          <a:ln w="28575">
-            <a:tailEnd type="triangle"/>
-          </a:ln>
-        </p:spPr>
-        <p:style>
-          <a:lnRef idx="3">
-            <a:schemeClr val="dk1"/>
-          </a:lnRef>
-          <a:fillRef idx="0">
-            <a:schemeClr val="dk1"/>
-          </a:fillRef>
-          <a:effectRef idx="2">
-            <a:schemeClr val="dk1"/>
-          </a:effectRef>
-          <a:fontRef idx="minor">
-            <a:schemeClr val="tx1"/>
-          </a:fontRef>
-        </p:style>
-      </p:cxnSp>
-      <p:cxnSp>
-        <p:nvCxnSpPr>
-          <p:cNvPr id="33" name="直接箭头连接符 32">
-            <a:extLst>
-              <a:ext uri="{FF2B5EF4-FFF2-40B4-BE49-F238E27FC236}">
-                <a16:creationId xmlns:a16="http://schemas.microsoft.com/office/drawing/2014/main" id="{1505EE42-E8F1-41E5-99D6-2BCBDC92F2EF}"/>
-              </a:ext>
-            </a:extLst>
-          </p:cNvPr>
-          <p:cNvCxnSpPr>
-            <a:cxnSpLocks/>
-            <a:stCxn id="10" idx="2"/>
-            <a:endCxn id="11" idx="0"/>
-          </p:cNvCxnSpPr>
-          <p:nvPr/>
-        </p:nvCxnSpPr>
-        <p:spPr>
-          <a:xfrm>
-            <a:off x="4567990" y="5133116"/>
-            <a:ext cx="0" cy="673768"/>
-          </a:xfrm>
-          <a:prstGeom prst="straightConnector1">
-            <a:avLst/>
-          </a:prstGeom>
-          <a:ln w="28575">
-            <a:tailEnd type="triangle"/>
-          </a:ln>
-        </p:spPr>
-        <p:style>
-          <a:lnRef idx="3">
-            <a:schemeClr val="dk1"/>
-          </a:lnRef>
-          <a:fillRef idx="0">
-            <a:schemeClr val="dk1"/>
-          </a:fillRef>
-          <a:effectRef idx="2">
-            <a:schemeClr val="dk1"/>
-          </a:effectRef>
-          <a:fontRef idx="minor">
-            <a:schemeClr val="tx1"/>
-          </a:fontRef>
-        </p:style>
-      </p:cxnSp>
-      <p:cxnSp>
-        <p:nvCxnSpPr>
-          <p:cNvPr id="37" name="直接箭头连接符 36">
-            <a:extLst>
-              <a:ext uri="{FF2B5EF4-FFF2-40B4-BE49-F238E27FC236}">
-                <a16:creationId xmlns:a16="http://schemas.microsoft.com/office/drawing/2014/main" id="{E367F19E-8D32-4AF1-BDB1-7A61A73A499E}"/>
-              </a:ext>
-            </a:extLst>
-          </p:cNvPr>
-          <p:cNvCxnSpPr>
-            <a:cxnSpLocks/>
-            <a:stCxn id="10" idx="3"/>
-            <a:endCxn id="12" idx="1"/>
-          </p:cNvCxnSpPr>
-          <p:nvPr/>
-        </p:nvCxnSpPr>
-        <p:spPr>
-          <a:xfrm>
-            <a:off x="5626769" y="4860400"/>
-            <a:ext cx="589548" cy="0"/>
-          </a:xfrm>
-          <a:prstGeom prst="straightConnector1">
-            <a:avLst/>
-          </a:prstGeom>
-          <a:ln w="28575">
-            <a:tailEnd type="triangle"/>
-          </a:ln>
-        </p:spPr>
-        <p:style>
-          <a:lnRef idx="3">
-            <a:schemeClr val="dk1"/>
-          </a:lnRef>
-          <a:fillRef idx="0">
-            <a:schemeClr val="dk1"/>
-          </a:fillRef>
-          <a:effectRef idx="2">
-            <a:schemeClr val="dk1"/>
-          </a:effectRef>
-          <a:fontRef idx="minor">
-            <a:schemeClr val="tx1"/>
-          </a:fontRef>
-        </p:style>
-      </p:cxnSp>
-      <p:cxnSp>
-        <p:nvCxnSpPr>
-          <p:cNvPr id="40" name="直接箭头连接符 39">
-            <a:extLst>
-              <a:ext uri="{FF2B5EF4-FFF2-40B4-BE49-F238E27FC236}">
-                <a16:creationId xmlns:a16="http://schemas.microsoft.com/office/drawing/2014/main" id="{2B3FA7FE-8A29-4E38-808E-9EF1D25B7DE9}"/>
-              </a:ext>
-            </a:extLst>
-          </p:cNvPr>
-          <p:cNvCxnSpPr>
-            <a:cxnSpLocks/>
-            <a:stCxn id="12" idx="2"/>
-            <a:endCxn id="13" idx="0"/>
-          </p:cNvCxnSpPr>
-          <p:nvPr/>
-        </p:nvCxnSpPr>
-        <p:spPr>
-          <a:xfrm>
-            <a:off x="6950243" y="5084989"/>
-            <a:ext cx="0" cy="625642"/>
-          </a:xfrm>
-          <a:prstGeom prst="straightConnector1">
-            <a:avLst/>
-          </a:prstGeom>
-          <a:ln w="28575">
-            <a:tailEnd type="triangle"/>
-          </a:ln>
-        </p:spPr>
-        <p:style>
-          <a:lnRef idx="3">
-            <a:schemeClr val="dk1"/>
-          </a:lnRef>
-          <a:fillRef idx="0">
-            <a:schemeClr val="dk1"/>
-          </a:fillRef>
-          <a:effectRef idx="2">
-            <a:schemeClr val="dk1"/>
-          </a:effectRef>
-          <a:fontRef idx="minor">
-            <a:schemeClr val="tx1"/>
-          </a:fontRef>
-        </p:style>
-      </p:cxnSp>
-      <p:sp>
-        <p:nvSpPr>
-          <p:cNvPr id="43" name="文本框 42">
-            <a:extLst>
-              <a:ext uri="{FF2B5EF4-FFF2-40B4-BE49-F238E27FC236}">
-                <a16:creationId xmlns:a16="http://schemas.microsoft.com/office/drawing/2014/main" id="{1F544958-4818-4FBD-89EC-D26CF66947EA}"/>
-              </a:ext>
-            </a:extLst>
-          </p:cNvPr>
-          <p:cNvSpPr txBox="1"/>
-          <p:nvPr/>
-        </p:nvSpPr>
-        <p:spPr>
-          <a:xfrm>
-            <a:off x="3039258" y="1142189"/>
-            <a:ext cx="534121" cy="307777"/>
-          </a:xfrm>
-          <a:prstGeom prst="rect">
-            <a:avLst/>
-          </a:prstGeom>
-          <a:noFill/>
-        </p:spPr>
-        <p:txBody>
-          <a:bodyPr wrap="none" rtlCol="0">
+        <p:txBody>
+          <a:bodyPr wrap="none">
             <a:spAutoFit/>
           </a:bodyPr>
           <a:lstStyle/>
           <a:p>
             <a:r>
-              <a:rPr lang="en-US" altLang="zh-CN" sz="1400" dirty="0"/>
-              <a:t>false</a:t>
-            </a:r>
-            <a:endParaRPr lang="zh-CN" altLang="en-US" sz="1400" dirty="0"/>
-          </a:p>
-        </p:txBody>
-      </p:sp>
-      <p:sp>
-        <p:nvSpPr>
-          <p:cNvPr id="44" name="文本框 43">
-            <a:extLst>
-              <a:ext uri="{FF2B5EF4-FFF2-40B4-BE49-F238E27FC236}">
-                <a16:creationId xmlns:a16="http://schemas.microsoft.com/office/drawing/2014/main" id="{41F9050F-9B0C-49EE-BA3A-DB8BBD652E7A}"/>
-              </a:ext>
-            </a:extLst>
-          </p:cNvPr>
-          <p:cNvSpPr txBox="1"/>
-          <p:nvPr/>
-        </p:nvSpPr>
-        <p:spPr>
-          <a:xfrm>
-            <a:off x="1134619" y="1826953"/>
-            <a:ext cx="495649" cy="307777"/>
-          </a:xfrm>
-          <a:prstGeom prst="rect">
-            <a:avLst/>
-          </a:prstGeom>
-          <a:noFill/>
-        </p:spPr>
-        <p:txBody>
-          <a:bodyPr wrap="none" rtlCol="0">
-            <a:spAutoFit/>
-          </a:bodyPr>
-          <a:lstStyle/>
-          <a:p>
-            <a:r>
-              <a:rPr lang="en-US" altLang="zh-CN" sz="1400" dirty="0"/>
-              <a:t>true</a:t>
-            </a:r>
-            <a:endParaRPr lang="zh-CN" altLang="en-US" sz="1400" dirty="0"/>
-          </a:p>
-        </p:txBody>
-      </p:sp>
-      <p:cxnSp>
-        <p:nvCxnSpPr>
-          <p:cNvPr id="45" name="直接箭头连接符 44">
-            <a:extLst>
-              <a:ext uri="{FF2B5EF4-FFF2-40B4-BE49-F238E27FC236}">
-                <a16:creationId xmlns:a16="http://schemas.microsoft.com/office/drawing/2014/main" id="{E07FCFE3-0DF8-457C-BB7F-DF87BF0ED502}"/>
-              </a:ext>
-            </a:extLst>
-          </p:cNvPr>
-          <p:cNvCxnSpPr>
-            <a:cxnSpLocks/>
-            <a:stCxn id="13" idx="3"/>
-            <a:endCxn id="14" idx="1"/>
-          </p:cNvCxnSpPr>
-          <p:nvPr/>
-        </p:nvCxnSpPr>
-        <p:spPr>
-          <a:xfrm>
-            <a:off x="8009022" y="5983347"/>
-            <a:ext cx="501316" cy="0"/>
-          </a:xfrm>
-          <a:prstGeom prst="straightConnector1">
-            <a:avLst/>
-          </a:prstGeom>
-          <a:ln w="28575">
-            <a:tailEnd type="triangle"/>
-          </a:ln>
-        </p:spPr>
-        <p:style>
-          <a:lnRef idx="3">
-            <a:schemeClr val="dk1"/>
-          </a:lnRef>
-          <a:fillRef idx="0">
-            <a:schemeClr val="dk1"/>
-          </a:fillRef>
-          <a:effectRef idx="2">
-            <a:schemeClr val="dk1"/>
-          </a:effectRef>
-          <a:fontRef idx="minor">
-            <a:schemeClr val="tx1"/>
-          </a:fontRef>
-        </p:style>
-      </p:cxnSp>
-      <p:sp>
-        <p:nvSpPr>
-          <p:cNvPr id="48" name="文本框 47">
-            <a:extLst>
-              <a:ext uri="{FF2B5EF4-FFF2-40B4-BE49-F238E27FC236}">
-                <a16:creationId xmlns:a16="http://schemas.microsoft.com/office/drawing/2014/main" id="{C42FC255-3E71-4A94-B5D2-31B5FE3A3FB0}"/>
-              </a:ext>
-            </a:extLst>
-          </p:cNvPr>
-          <p:cNvSpPr txBox="1"/>
-          <p:nvPr/>
-        </p:nvSpPr>
-        <p:spPr>
-          <a:xfrm>
-            <a:off x="7976217" y="5619647"/>
-            <a:ext cx="534121" cy="307777"/>
-          </a:xfrm>
-          <a:prstGeom prst="rect">
-            <a:avLst/>
-          </a:prstGeom>
-          <a:noFill/>
-        </p:spPr>
-        <p:txBody>
-          <a:bodyPr wrap="none" rtlCol="0">
-            <a:spAutoFit/>
-          </a:bodyPr>
-          <a:lstStyle/>
-          <a:p>
-            <a:r>
-              <a:rPr lang="en-US" altLang="zh-CN" sz="1400" dirty="0"/>
-              <a:t>false</a:t>
-            </a:r>
-            <a:endParaRPr lang="zh-CN" altLang="en-US" sz="1400" dirty="0"/>
-          </a:p>
-        </p:txBody>
-      </p:sp>
-      <p:sp>
-        <p:nvSpPr>
-          <p:cNvPr id="49" name="文本框 48">
-            <a:extLst>
-              <a:ext uri="{FF2B5EF4-FFF2-40B4-BE49-F238E27FC236}">
-                <a16:creationId xmlns:a16="http://schemas.microsoft.com/office/drawing/2014/main" id="{B4ACCA4C-CDDA-48AF-A485-EF40190E4F21}"/>
-              </a:ext>
-            </a:extLst>
-          </p:cNvPr>
-          <p:cNvSpPr txBox="1"/>
-          <p:nvPr/>
-        </p:nvSpPr>
-        <p:spPr>
-          <a:xfrm>
-            <a:off x="4048098" y="5283254"/>
-            <a:ext cx="495649" cy="307777"/>
-          </a:xfrm>
-          <a:prstGeom prst="rect">
-            <a:avLst/>
-          </a:prstGeom>
-          <a:noFill/>
-        </p:spPr>
-        <p:txBody>
-          <a:bodyPr wrap="none" rtlCol="0">
-            <a:spAutoFit/>
-          </a:bodyPr>
-          <a:lstStyle/>
-          <a:p>
-            <a:r>
-              <a:rPr lang="en-US" altLang="zh-CN" sz="1400" dirty="0"/>
-              <a:t>true</a:t>
-            </a:r>
-            <a:endParaRPr lang="zh-CN" altLang="en-US" sz="1400" dirty="0"/>
-          </a:p>
-        </p:txBody>
-      </p:sp>
-      <p:cxnSp>
-        <p:nvCxnSpPr>
-          <p:cNvPr id="51" name="连接符: 肘形 50">
-            <a:extLst>
-              <a:ext uri="{FF2B5EF4-FFF2-40B4-BE49-F238E27FC236}">
-                <a16:creationId xmlns:a16="http://schemas.microsoft.com/office/drawing/2014/main" id="{FE553066-D22C-44AF-B476-9F7146DB4B11}"/>
-              </a:ext>
-            </a:extLst>
-          </p:cNvPr>
-          <p:cNvCxnSpPr>
-            <a:cxnSpLocks/>
-            <a:stCxn id="8" idx="1"/>
-            <a:endCxn id="15" idx="3"/>
-          </p:cNvCxnSpPr>
-          <p:nvPr/>
-        </p:nvCxnSpPr>
-        <p:spPr>
-          <a:xfrm rot="10800000" flipV="1">
-            <a:off x="2502569" y="2518252"/>
-            <a:ext cx="1006643" cy="2294021"/>
-          </a:xfrm>
-          <a:prstGeom prst="bentConnector3">
-            <a:avLst/>
-          </a:prstGeom>
-          <a:ln w="28575">
-            <a:tailEnd type="triangle"/>
-          </a:ln>
-        </p:spPr>
-        <p:style>
-          <a:lnRef idx="3">
-            <a:schemeClr val="dk1"/>
-          </a:lnRef>
-          <a:fillRef idx="0">
-            <a:schemeClr val="dk1"/>
-          </a:fillRef>
-          <a:effectRef idx="2">
-            <a:schemeClr val="dk1"/>
-          </a:effectRef>
-          <a:fontRef idx="minor">
-            <a:schemeClr val="tx1"/>
-          </a:fontRef>
-        </p:style>
-      </p:cxnSp>
-      <p:sp>
-        <p:nvSpPr>
-          <p:cNvPr id="53" name="文本框 52">
-            <a:extLst>
-              <a:ext uri="{FF2B5EF4-FFF2-40B4-BE49-F238E27FC236}">
-                <a16:creationId xmlns:a16="http://schemas.microsoft.com/office/drawing/2014/main" id="{3B2EAB20-5A8D-42EC-AFB0-0DCA77C6A0B1}"/>
-              </a:ext>
-            </a:extLst>
-          </p:cNvPr>
-          <p:cNvSpPr txBox="1"/>
-          <p:nvPr/>
-        </p:nvSpPr>
-        <p:spPr>
-          <a:xfrm>
-            <a:off x="3005890" y="2168881"/>
-            <a:ext cx="495649" cy="307777"/>
-          </a:xfrm>
-          <a:prstGeom prst="rect">
-            <a:avLst/>
-          </a:prstGeom>
-          <a:noFill/>
-        </p:spPr>
-        <p:txBody>
-          <a:bodyPr wrap="none" rtlCol="0">
-            <a:spAutoFit/>
-          </a:bodyPr>
-          <a:lstStyle/>
-          <a:p>
-            <a:r>
-              <a:rPr lang="en-US" altLang="zh-CN" sz="1400" dirty="0"/>
-              <a:t>true</a:t>
-            </a:r>
-            <a:endParaRPr lang="zh-CN" altLang="en-US" sz="1400" dirty="0"/>
-          </a:p>
-        </p:txBody>
-      </p:sp>
-      <p:cxnSp>
-        <p:nvCxnSpPr>
-          <p:cNvPr id="54" name="连接符: 肘形 53">
-            <a:extLst>
-              <a:ext uri="{FF2B5EF4-FFF2-40B4-BE49-F238E27FC236}">
-                <a16:creationId xmlns:a16="http://schemas.microsoft.com/office/drawing/2014/main" id="{6102C951-4FD5-43DA-89FD-F420F94B00BC}"/>
-              </a:ext>
-            </a:extLst>
-          </p:cNvPr>
-          <p:cNvCxnSpPr>
-            <a:cxnSpLocks/>
-            <a:stCxn id="13" idx="2"/>
-            <a:endCxn id="15" idx="2"/>
-          </p:cNvCxnSpPr>
-          <p:nvPr/>
-        </p:nvCxnSpPr>
-        <p:spPr>
-          <a:xfrm rot="5400000" flipH="1">
-            <a:off x="3749843" y="3055663"/>
-            <a:ext cx="1219200" cy="5181601"/>
-          </a:xfrm>
-          <a:prstGeom prst="bentConnector3">
-            <a:avLst>
-              <a:gd name="adj1" fmla="val -18750"/>
-            </a:avLst>
-          </a:prstGeom>
-          <a:ln w="28575">
-            <a:tailEnd type="triangle"/>
-          </a:ln>
-        </p:spPr>
-        <p:style>
-          <a:lnRef idx="3">
-            <a:schemeClr val="dk1"/>
-          </a:lnRef>
-          <a:fillRef idx="0">
-            <a:schemeClr val="dk1"/>
-          </a:fillRef>
-          <a:effectRef idx="2">
-            <a:schemeClr val="dk1"/>
-          </a:effectRef>
-          <a:fontRef idx="minor">
-            <a:schemeClr val="tx1"/>
-          </a:fontRef>
-        </p:style>
-      </p:cxnSp>
-      <p:sp>
-        <p:nvSpPr>
-          <p:cNvPr id="57" name="文本框 56">
-            <a:extLst>
-              <a:ext uri="{FF2B5EF4-FFF2-40B4-BE49-F238E27FC236}">
-                <a16:creationId xmlns:a16="http://schemas.microsoft.com/office/drawing/2014/main" id="{E7B92550-8A78-428C-9992-78CA9423C340}"/>
-              </a:ext>
-            </a:extLst>
-          </p:cNvPr>
-          <p:cNvSpPr txBox="1"/>
-          <p:nvPr/>
-        </p:nvSpPr>
-        <p:spPr>
-          <a:xfrm>
-            <a:off x="6340295" y="6138944"/>
-            <a:ext cx="495649" cy="307777"/>
-          </a:xfrm>
-          <a:prstGeom prst="rect">
-            <a:avLst/>
-          </a:prstGeom>
-          <a:noFill/>
-        </p:spPr>
-        <p:txBody>
-          <a:bodyPr wrap="none" rtlCol="0">
-            <a:spAutoFit/>
-          </a:bodyPr>
-          <a:lstStyle/>
-          <a:p>
-            <a:r>
-              <a:rPr lang="en-US" altLang="zh-CN" sz="1400" dirty="0"/>
-              <a:t>true</a:t>
-            </a:r>
-            <a:endParaRPr lang="zh-CN" altLang="en-US" sz="1400" dirty="0"/>
+              <a:rPr lang="zh-CN" altLang="en-US" sz="1400" dirty="0"/>
+              <a:t>public SimpleDateFormat(String pattern)</a:t>
+            </a:r>
           </a:p>
         </p:txBody>
       </p:sp>
     </p:spTree>
     <p:extLst>
       <p:ext uri="{BB962C8B-B14F-4D97-AF65-F5344CB8AC3E}">
-        <p14:creationId xmlns:p14="http://schemas.microsoft.com/office/powerpoint/2010/main" val="3342495910"/>
+        <p14:creationId xmlns:p14="http://schemas.microsoft.com/office/powerpoint/2010/main" val="3434045659"/>
       </p:ext>
     </p:extLst>
   </p:cSld>
